--- a/课程/第5章 无人驾驶小车老白/第1节 环境准备：更加专业的视觉系统/第1节-教学PPT.pptx
+++ b/课程/第5章 无人驾驶小车老白/第1节 环境准备：更加专业的视觉系统/第1节-教学PPT.pptx
@@ -5,7 +5,7 @@
     <p:sldMasterId id="2147483660" r:id="rId1"/>
   </p:sldMasterIdLst>
   <p:notesMasterIdLst>
-    <p:notesMasterId r:id="rId13"/>
+    <p:notesMasterId r:id="rId14"/>
   </p:notesMasterIdLst>
   <p:sldIdLst>
     <p:sldId id="337" r:id="rId2"/>
@@ -18,12 +18,13 @@
     <p:sldId id="11454" r:id="rId9"/>
     <p:sldId id="342" r:id="rId10"/>
     <p:sldId id="11439" r:id="rId11"/>
-    <p:sldId id="11428" r:id="rId12"/>
+    <p:sldId id="11464" r:id="rId12"/>
+    <p:sldId id="11428" r:id="rId13"/>
   </p:sldIdLst>
   <p:sldSz cx="12192000" cy="6858000"/>
   <p:notesSz cx="6858000" cy="9144000"/>
   <p:custDataLst>
-    <p:tags r:id="rId14"/>
+    <p:tags r:id="rId15"/>
   </p:custDataLst>
   <p:defaultTextStyle>
     <a:defPPr>
@@ -3159,7 +3160,7 @@
           <a:p>
             <a:fld id="{F758C255-79C3-45A8-945E-2C61C3C6BAA9}" type="datetimeFigureOut">
               <a:rPr lang="zh-CN" altLang="en-US" smtClean="0"/>
-              <a:t>2019/8/30</a:t>
+              <a:t>2019/11/25</a:t>
             </a:fld>
             <a:endParaRPr lang="zh-CN" altLang="en-US"/>
           </a:p>
@@ -3649,6 +3650,90 @@
             <a:spLocks noGrp="1"/>
           </p:cNvSpPr>
           <p:nvPr>
+            <p:ph type="sldNum" sz="quarter" idx="10"/>
+          </p:nvPr>
+        </p:nvSpPr>
+        <p:spPr/>
+        <p:txBody>
+          <a:bodyPr/>
+          <a:lstStyle/>
+          <a:p>
+            <a:fld id="{C8679852-FE9E-45B5-93CD-6D9F89316D6C}" type="slidenum">
+              <a:rPr lang="zh-CN" altLang="en-US" smtClean="0"/>
+              <a:t>11</a:t>
+            </a:fld>
+            <a:endParaRPr lang="zh-CN" altLang="en-US"/>
+          </a:p>
+        </p:txBody>
+      </p:sp>
+    </p:spTree>
+    <p:extLst>
+      <p:ext uri="{BB962C8B-B14F-4D97-AF65-F5344CB8AC3E}">
+        <p14:creationId xmlns:p14="http://schemas.microsoft.com/office/powerpoint/2010/main" val="32514625"/>
+      </p:ext>
+    </p:extLst>
+  </p:cSld>
+  <p:clrMapOvr>
+    <a:masterClrMapping/>
+  </p:clrMapOvr>
+</p:notes>
+</file>
+
+<file path=ppt/notesSlides/notesSlide12.xml><?xml version="1.0" encoding="utf-8"?>
+<p:notes xmlns:a="http://schemas.openxmlformats.org/drawingml/2006/main" xmlns:r="http://schemas.openxmlformats.org/officeDocument/2006/relationships" xmlns:p="http://schemas.openxmlformats.org/presentationml/2006/main">
+  <p:cSld>
+    <p:spTree>
+      <p:nvGrpSpPr>
+        <p:cNvPr id="1" name=""/>
+        <p:cNvGrpSpPr/>
+        <p:nvPr/>
+      </p:nvGrpSpPr>
+      <p:grpSpPr>
+        <a:xfrm>
+          <a:off x="0" y="0"/>
+          <a:ext cx="0" cy="0"/>
+          <a:chOff x="0" y="0"/>
+          <a:chExt cx="0" cy="0"/>
+        </a:xfrm>
+      </p:grpSpPr>
+      <p:sp>
+        <p:nvSpPr>
+          <p:cNvPr id="2" name="幻灯片图像占位符 1"/>
+          <p:cNvSpPr>
+            <a:spLocks noGrp="1" noRot="1" noChangeAspect="1"/>
+          </p:cNvSpPr>
+          <p:nvPr>
+            <p:ph type="sldImg"/>
+          </p:nvPr>
+        </p:nvSpPr>
+        <p:spPr/>
+      </p:sp>
+      <p:sp>
+        <p:nvSpPr>
+          <p:cNvPr id="3" name="备注占位符 2"/>
+          <p:cNvSpPr>
+            <a:spLocks noGrp="1"/>
+          </p:cNvSpPr>
+          <p:nvPr>
+            <p:ph type="body" idx="1"/>
+          </p:nvPr>
+        </p:nvSpPr>
+        <p:spPr/>
+        <p:txBody>
+          <a:bodyPr/>
+          <a:lstStyle/>
+          <a:p>
+            <a:endParaRPr lang="zh-CN" altLang="en-US"/>
+          </a:p>
+        </p:txBody>
+      </p:sp>
+      <p:sp>
+        <p:nvSpPr>
+          <p:cNvPr id="4" name="灯片编号占位符 3"/>
+          <p:cNvSpPr>
+            <a:spLocks noGrp="1"/>
+          </p:cNvSpPr>
+          <p:nvPr>
             <p:ph type="sldNum" sz="quarter" idx="5"/>
           </p:nvPr>
         </p:nvSpPr>
@@ -3659,7 +3744,7 @@
           <a:p>
             <a:fld id="{64E61829-E50B-4091-AE21-893680968DF2}" type="slidenum">
               <a:rPr lang="zh-CN" altLang="en-US" smtClean="0"/>
-              <a:t>11</a:t>
+              <a:t>12</a:t>
             </a:fld>
             <a:endParaRPr lang="zh-CN" altLang="en-US"/>
           </a:p>
@@ -5132,7 +5217,7 @@
           <a:p>
             <a:fld id="{276664BA-FAEB-42F3-A8BE-09D6F18B1435}" type="datetimeFigureOut">
               <a:rPr lang="zh-CN" altLang="en-US" smtClean="0"/>
-              <a:t>2019/8/30</a:t>
+              <a:t>2019/11/25</a:t>
             </a:fld>
             <a:endParaRPr lang="zh-CN" altLang="en-US"/>
           </a:p>
@@ -6190,7 +6275,7 @@
         <p:spPr>
           <a:xfrm>
             <a:off x="1284646" y="1198342"/>
-            <a:ext cx="9613726" cy="506292"/>
+            <a:ext cx="9613726" cy="5584606"/>
           </a:xfrm>
           <a:prstGeom prst="rect">
             <a:avLst/>
@@ -6202,21 +6287,592 @@
           </a:bodyPr>
           <a:lstStyle/>
           <a:p>
-            <a:pPr marL="285750" indent="-285750">
+            <a:pPr>
               <a:lnSpc>
                 <a:spcPct val="150000"/>
               </a:lnSpc>
-              <a:buFont typeface="Wingdings" panose="05000000000000000000" pitchFamily="2" charset="2"/>
-              <a:buChar char="n"/>
             </a:pPr>
             <a:r>
-              <a:rPr lang="zh-CN" altLang="en-US" sz="2000" dirty="0">
-                <a:solidFill>
-                  <a:srgbClr val="FF0000"/>
-                </a:solidFill>
-              </a:rPr>
-              <a:t>需要补充</a:t>
-            </a:r>
+              <a:rPr lang="en-US" altLang="zh-CN" sz="2000" kern="0" dirty="0">
+                <a:solidFill>
+                  <a:srgbClr val="F08300"/>
+                </a:solidFill>
+                <a:latin typeface="黑体" panose="02010609060101010101" pitchFamily="49" charset="-122"/>
+                <a:ea typeface="黑体" panose="02010609060101010101" pitchFamily="49" charset="-122"/>
+                <a:cs typeface="Arial" panose="020B0604020202020204" pitchFamily="34" charset="0"/>
+              </a:rPr>
+              <a:t>1. </a:t>
+            </a:r>
+            <a:r>
+              <a:rPr lang="zh-CN" altLang="en-US" sz="2000" kern="0" dirty="0">
+                <a:solidFill>
+                  <a:srgbClr val="F08300"/>
+                </a:solidFill>
+                <a:latin typeface="黑体" panose="02010609060101010101" pitchFamily="49" charset="-122"/>
+                <a:ea typeface="黑体" panose="02010609060101010101" pitchFamily="49" charset="-122"/>
+                <a:cs typeface="Arial" panose="020B0604020202020204" pitchFamily="34" charset="0"/>
+              </a:rPr>
+              <a:t>所需基本材料</a:t>
+            </a:r>
+            <a:endParaRPr lang="en-US" altLang="zh-CN" sz="2000" kern="0" dirty="0">
+              <a:solidFill>
+                <a:srgbClr val="F08300"/>
+              </a:solidFill>
+              <a:latin typeface="黑体" panose="02010609060101010101" pitchFamily="49" charset="-122"/>
+              <a:ea typeface="黑体" panose="02010609060101010101" pitchFamily="49" charset="-122"/>
+              <a:cs typeface="Arial" panose="020B0604020202020204" pitchFamily="34" charset="0"/>
+            </a:endParaRPr>
+          </a:p>
+          <a:p>
+            <a:pPr lvl="0"/>
+            <a:r>
+              <a:rPr lang="zh-CN" altLang="en-US" sz="2000" kern="0" dirty="0">
+                <a:solidFill>
+                  <a:srgbClr val="F08300"/>
+                </a:solidFill>
+                <a:latin typeface="黑体" panose="02010609060101010101" pitchFamily="49" charset="-122"/>
+                <a:ea typeface="黑体" panose="02010609060101010101" pitchFamily="49" charset="-122"/>
+                <a:cs typeface="Arial" panose="020B0604020202020204" pitchFamily="34" charset="0"/>
+              </a:rPr>
+              <a:t>（</a:t>
+            </a:r>
+            <a:r>
+              <a:rPr lang="en-US" altLang="zh-CN" sz="2000" kern="0" dirty="0">
+                <a:solidFill>
+                  <a:srgbClr val="F08300"/>
+                </a:solidFill>
+                <a:latin typeface="黑体" panose="02010609060101010101" pitchFamily="49" charset="-122"/>
+                <a:ea typeface="黑体" panose="02010609060101010101" pitchFamily="49" charset="-122"/>
+                <a:cs typeface="Arial" panose="020B0604020202020204" pitchFamily="34" charset="0"/>
+              </a:rPr>
+              <a:t>1</a:t>
+            </a:r>
+            <a:r>
+              <a:rPr lang="zh-CN" altLang="en-US" sz="2000" kern="0" dirty="0">
+                <a:solidFill>
+                  <a:srgbClr val="F08300"/>
+                </a:solidFill>
+                <a:latin typeface="黑体" panose="02010609060101010101" pitchFamily="49" charset="-122"/>
+                <a:ea typeface="黑体" panose="02010609060101010101" pitchFamily="49" charset="-122"/>
+                <a:cs typeface="Arial" panose="020B0604020202020204" pitchFamily="34" charset="0"/>
+              </a:rPr>
+              <a:t>）</a:t>
+            </a:r>
+            <a:r>
+              <a:rPr lang="zh-CN" altLang="zh-CN" sz="2000" kern="0" dirty="0">
+                <a:solidFill>
+                  <a:srgbClr val="F08300"/>
+                </a:solidFill>
+                <a:latin typeface="黑体" panose="02010609060101010101" pitchFamily="49" charset="-122"/>
+                <a:ea typeface="黑体" panose="02010609060101010101" pitchFamily="49" charset="-122"/>
+                <a:cs typeface="Arial" panose="020B0604020202020204" pitchFamily="34" charset="0"/>
+              </a:rPr>
+              <a:t>小车套件（底盘，中间挡板，马达两个，万向轮、橡胶轮胎，尼龙扎带若干，铜柱若干，螺丝若干，十字螺丝刀一把）</a:t>
+            </a:r>
+          </a:p>
+          <a:p>
+            <a:pPr lvl="0"/>
+            <a:r>
+              <a:rPr lang="zh-CN" altLang="en-US" sz="2000" kern="0" dirty="0">
+                <a:solidFill>
+                  <a:srgbClr val="F08300"/>
+                </a:solidFill>
+                <a:latin typeface="黑体" panose="02010609060101010101" pitchFamily="49" charset="-122"/>
+                <a:ea typeface="黑体" panose="02010609060101010101" pitchFamily="49" charset="-122"/>
+                <a:cs typeface="Arial" panose="020B0604020202020204" pitchFamily="34" charset="0"/>
+              </a:rPr>
+              <a:t>（</a:t>
+            </a:r>
+            <a:r>
+              <a:rPr lang="en-US" altLang="zh-CN" sz="2000" kern="0" dirty="0">
+                <a:solidFill>
+                  <a:srgbClr val="F08300"/>
+                </a:solidFill>
+                <a:latin typeface="黑体" panose="02010609060101010101" pitchFamily="49" charset="-122"/>
+                <a:ea typeface="黑体" panose="02010609060101010101" pitchFamily="49" charset="-122"/>
+                <a:cs typeface="Arial" panose="020B0604020202020204" pitchFamily="34" charset="0"/>
+              </a:rPr>
+              <a:t>2</a:t>
+            </a:r>
+            <a:r>
+              <a:rPr lang="zh-CN" altLang="en-US" sz="2000" kern="0" dirty="0">
+                <a:solidFill>
+                  <a:srgbClr val="F08300"/>
+                </a:solidFill>
+                <a:latin typeface="黑体" panose="02010609060101010101" pitchFamily="49" charset="-122"/>
+                <a:ea typeface="黑体" panose="02010609060101010101" pitchFamily="49" charset="-122"/>
+                <a:cs typeface="Arial" panose="020B0604020202020204" pitchFamily="34" charset="0"/>
+              </a:rPr>
+              <a:t>）</a:t>
+            </a:r>
+            <a:r>
+              <a:rPr lang="zh-CN" altLang="zh-CN" sz="2000" kern="0" dirty="0">
+                <a:solidFill>
+                  <a:srgbClr val="F08300"/>
+                </a:solidFill>
+                <a:latin typeface="黑体" panose="02010609060101010101" pitchFamily="49" charset="-122"/>
+                <a:ea typeface="黑体" panose="02010609060101010101" pitchFamily="49" charset="-122"/>
+                <a:cs typeface="Arial" panose="020B0604020202020204" pitchFamily="34" charset="0"/>
+              </a:rPr>
+              <a:t>树莓派摄像头</a:t>
+            </a:r>
+          </a:p>
+          <a:p>
+            <a:pPr lvl="0"/>
+            <a:r>
+              <a:rPr lang="zh-CN" altLang="en-US" sz="2000" kern="0" dirty="0">
+                <a:solidFill>
+                  <a:srgbClr val="F08300"/>
+                </a:solidFill>
+                <a:latin typeface="黑体" panose="02010609060101010101" pitchFamily="49" charset="-122"/>
+                <a:ea typeface="黑体" panose="02010609060101010101" pitchFamily="49" charset="-122"/>
+                <a:cs typeface="Arial" panose="020B0604020202020204" pitchFamily="34" charset="0"/>
+              </a:rPr>
+              <a:t>（</a:t>
+            </a:r>
+            <a:r>
+              <a:rPr lang="en-US" altLang="zh-CN" sz="2000" kern="0" dirty="0">
+                <a:solidFill>
+                  <a:srgbClr val="F08300"/>
+                </a:solidFill>
+                <a:latin typeface="黑体" panose="02010609060101010101" pitchFamily="49" charset="-122"/>
+                <a:ea typeface="黑体" panose="02010609060101010101" pitchFamily="49" charset="-122"/>
+                <a:cs typeface="Arial" panose="020B0604020202020204" pitchFamily="34" charset="0"/>
+              </a:rPr>
+              <a:t>3</a:t>
+            </a:r>
+            <a:r>
+              <a:rPr lang="zh-CN" altLang="en-US" sz="2000" kern="0" dirty="0">
+                <a:solidFill>
+                  <a:srgbClr val="F08300"/>
+                </a:solidFill>
+                <a:latin typeface="黑体" panose="02010609060101010101" pitchFamily="49" charset="-122"/>
+                <a:ea typeface="黑体" panose="02010609060101010101" pitchFamily="49" charset="-122"/>
+                <a:cs typeface="Arial" panose="020B0604020202020204" pitchFamily="34" charset="0"/>
+              </a:rPr>
+              <a:t>）</a:t>
+            </a:r>
+            <a:r>
+              <a:rPr lang="en-US" altLang="zh-CN" sz="2000" kern="0" dirty="0">
+                <a:solidFill>
+                  <a:srgbClr val="F08300"/>
+                </a:solidFill>
+                <a:latin typeface="黑体" panose="02010609060101010101" pitchFamily="49" charset="-122"/>
+                <a:ea typeface="黑体" panose="02010609060101010101" pitchFamily="49" charset="-122"/>
+                <a:cs typeface="Arial" panose="020B0604020202020204" pitchFamily="34" charset="0"/>
+              </a:rPr>
+              <a:t>OpenCV</a:t>
+            </a:r>
+          </a:p>
+          <a:p>
+            <a:pPr lvl="0"/>
+            <a:r>
+              <a:rPr lang="en-US" altLang="zh-CN" sz="2000" kern="0" dirty="0">
+                <a:solidFill>
+                  <a:srgbClr val="F08300"/>
+                </a:solidFill>
+                <a:latin typeface="黑体" panose="02010609060101010101" pitchFamily="49" charset="-122"/>
+                <a:ea typeface="黑体" panose="02010609060101010101" pitchFamily="49" charset="-122"/>
+                <a:cs typeface="Arial" panose="020B0604020202020204" pitchFamily="34" charset="0"/>
+              </a:rPr>
+              <a:t>2. </a:t>
+            </a:r>
+            <a:r>
+              <a:rPr lang="zh-CN" altLang="en-US" sz="2000" kern="0" dirty="0">
+                <a:solidFill>
+                  <a:srgbClr val="F08300"/>
+                </a:solidFill>
+                <a:latin typeface="黑体" panose="02010609060101010101" pitchFamily="49" charset="-122"/>
+                <a:ea typeface="黑体" panose="02010609060101010101" pitchFamily="49" charset="-122"/>
+                <a:cs typeface="Arial" panose="020B0604020202020204" pitchFamily="34" charset="0"/>
+              </a:rPr>
+              <a:t>电机测试</a:t>
+            </a:r>
+          </a:p>
+          <a:p>
+            <a:pPr lvl="0"/>
+            <a:r>
+              <a:rPr lang="zh-CN" altLang="en-US" sz="2000" kern="0" dirty="0">
+                <a:solidFill>
+                  <a:srgbClr val="F08300"/>
+                </a:solidFill>
+                <a:latin typeface="黑体" panose="02010609060101010101" pitchFamily="49" charset="-122"/>
+                <a:ea typeface="黑体" panose="02010609060101010101" pitchFamily="49" charset="-122"/>
+                <a:cs typeface="Arial" panose="020B0604020202020204" pitchFamily="34" charset="0"/>
+              </a:rPr>
+              <a:t>（</a:t>
+            </a:r>
+            <a:r>
+              <a:rPr lang="en-US" altLang="zh-CN" sz="2000" kern="0" dirty="0">
+                <a:solidFill>
+                  <a:srgbClr val="F08300"/>
+                </a:solidFill>
+                <a:latin typeface="黑体" panose="02010609060101010101" pitchFamily="49" charset="-122"/>
+                <a:ea typeface="黑体" panose="02010609060101010101" pitchFamily="49" charset="-122"/>
+                <a:cs typeface="Arial" panose="020B0604020202020204" pitchFamily="34" charset="0"/>
+              </a:rPr>
+              <a:t>1</a:t>
+            </a:r>
+            <a:r>
+              <a:rPr lang="zh-CN" altLang="en-US" sz="2000" kern="0" dirty="0">
+                <a:solidFill>
+                  <a:srgbClr val="F08300"/>
+                </a:solidFill>
+                <a:latin typeface="黑体" panose="02010609060101010101" pitchFamily="49" charset="-122"/>
+                <a:ea typeface="黑体" panose="02010609060101010101" pitchFamily="49" charset="-122"/>
+                <a:cs typeface="Arial" panose="020B0604020202020204" pitchFamily="34" charset="0"/>
+              </a:rPr>
+              <a:t>）打开终端，执行以下命令</a:t>
+            </a:r>
+          </a:p>
+          <a:p>
+            <a:pPr lvl="0"/>
+            <a:r>
+              <a:rPr lang="en-US" altLang="zh-CN" sz="2000" kern="0" dirty="0">
+                <a:solidFill>
+                  <a:srgbClr val="F08300"/>
+                </a:solidFill>
+                <a:latin typeface="黑体" panose="02010609060101010101" pitchFamily="49" charset="-122"/>
+                <a:ea typeface="黑体" panose="02010609060101010101" pitchFamily="49" charset="-122"/>
+                <a:cs typeface="Arial" panose="020B0604020202020204" pitchFamily="34" charset="0"/>
+              </a:rPr>
+              <a:t>cd ~/Desktop/learn-ai/chapter5/</a:t>
+            </a:r>
+            <a:r>
+              <a:rPr lang="en-US" altLang="zh-CN" sz="2000" kern="0" dirty="0" err="1">
+                <a:solidFill>
+                  <a:srgbClr val="F08300"/>
+                </a:solidFill>
+                <a:latin typeface="黑体" panose="02010609060101010101" pitchFamily="49" charset="-122"/>
+                <a:ea typeface="黑体" panose="02010609060101010101" pitchFamily="49" charset="-122"/>
+                <a:cs typeface="Arial" panose="020B0604020202020204" pitchFamily="34" charset="0"/>
+              </a:rPr>
+              <a:t>SelfDrivingCar</a:t>
+            </a:r>
+            <a:endParaRPr lang="en-US" altLang="zh-CN" sz="2000" kern="0" dirty="0">
+              <a:solidFill>
+                <a:srgbClr val="F08300"/>
+              </a:solidFill>
+              <a:latin typeface="黑体" panose="02010609060101010101" pitchFamily="49" charset="-122"/>
+              <a:ea typeface="黑体" panose="02010609060101010101" pitchFamily="49" charset="-122"/>
+              <a:cs typeface="Arial" panose="020B0604020202020204" pitchFamily="34" charset="0"/>
+            </a:endParaRPr>
+          </a:p>
+          <a:p>
+            <a:pPr lvl="0"/>
+            <a:r>
+              <a:rPr lang="en-US" altLang="zh-CN" sz="2000" kern="0" dirty="0">
+                <a:solidFill>
+                  <a:srgbClr val="F08300"/>
+                </a:solidFill>
+                <a:latin typeface="黑体" panose="02010609060101010101" pitchFamily="49" charset="-122"/>
+                <a:ea typeface="黑体" panose="02010609060101010101" pitchFamily="49" charset="-122"/>
+                <a:cs typeface="Arial" panose="020B0604020202020204" pitchFamily="34" charset="0"/>
+              </a:rPr>
+              <a:t>cd computer</a:t>
+            </a:r>
+          </a:p>
+          <a:p>
+            <a:pPr lvl="0"/>
+            <a:r>
+              <a:rPr lang="en-US" altLang="zh-CN" sz="2000" kern="0" dirty="0" err="1">
+                <a:solidFill>
+                  <a:srgbClr val="F08300"/>
+                </a:solidFill>
+                <a:latin typeface="黑体" panose="02010609060101010101" pitchFamily="49" charset="-122"/>
+                <a:ea typeface="黑体" panose="02010609060101010101" pitchFamily="49" charset="-122"/>
+                <a:cs typeface="Arial" panose="020B0604020202020204" pitchFamily="34" charset="0"/>
+              </a:rPr>
+              <a:t>sudo</a:t>
+            </a:r>
+            <a:r>
+              <a:rPr lang="en-US" altLang="zh-CN" sz="2000" kern="0" dirty="0">
+                <a:solidFill>
+                  <a:srgbClr val="F08300"/>
+                </a:solidFill>
+                <a:latin typeface="黑体" panose="02010609060101010101" pitchFamily="49" charset="-122"/>
+                <a:ea typeface="黑体" panose="02010609060101010101" pitchFamily="49" charset="-122"/>
+                <a:cs typeface="Arial" panose="020B0604020202020204" pitchFamily="34" charset="0"/>
+              </a:rPr>
+              <a:t> python3 drive_api.py -s 150  //-s 150</a:t>
+            </a:r>
+            <a:r>
+              <a:rPr lang="zh-CN" altLang="en-US" sz="2000" kern="0" dirty="0">
+                <a:solidFill>
+                  <a:srgbClr val="F08300"/>
+                </a:solidFill>
+                <a:latin typeface="黑体" panose="02010609060101010101" pitchFamily="49" charset="-122"/>
+                <a:ea typeface="黑体" panose="02010609060101010101" pitchFamily="49" charset="-122"/>
+                <a:cs typeface="Arial" panose="020B0604020202020204" pitchFamily="34" charset="0"/>
+              </a:rPr>
+              <a:t>作为可选的参数，来指定行驶速度。可选范围是</a:t>
+            </a:r>
+            <a:r>
+              <a:rPr lang="en-US" altLang="zh-CN" sz="2000" kern="0" dirty="0">
+                <a:solidFill>
+                  <a:srgbClr val="F08300"/>
+                </a:solidFill>
+                <a:latin typeface="黑体" panose="02010609060101010101" pitchFamily="49" charset="-122"/>
+                <a:ea typeface="黑体" panose="02010609060101010101" pitchFamily="49" charset="-122"/>
+                <a:cs typeface="Arial" panose="020B0604020202020204" pitchFamily="34" charset="0"/>
+              </a:rPr>
+              <a:t>0-256</a:t>
+            </a:r>
+          </a:p>
+          <a:p>
+            <a:pPr lvl="0"/>
+            <a:r>
+              <a:rPr lang="zh-CN" altLang="en-US" sz="2000" kern="0" dirty="0">
+                <a:solidFill>
+                  <a:srgbClr val="F08300"/>
+                </a:solidFill>
+                <a:latin typeface="黑体" panose="02010609060101010101" pitchFamily="49" charset="-122"/>
+                <a:ea typeface="黑体" panose="02010609060101010101" pitchFamily="49" charset="-122"/>
+                <a:cs typeface="Arial" panose="020B0604020202020204" pitchFamily="34" charset="0"/>
+              </a:rPr>
+              <a:t>（</a:t>
+            </a:r>
+            <a:r>
+              <a:rPr lang="en-US" altLang="zh-CN" sz="2000" kern="0" dirty="0">
+                <a:solidFill>
+                  <a:srgbClr val="F08300"/>
+                </a:solidFill>
+                <a:latin typeface="黑体" panose="02010609060101010101" pitchFamily="49" charset="-122"/>
+                <a:ea typeface="黑体" panose="02010609060101010101" pitchFamily="49" charset="-122"/>
+                <a:cs typeface="Arial" panose="020B0604020202020204" pitchFamily="34" charset="0"/>
+              </a:rPr>
+              <a:t>2</a:t>
+            </a:r>
+            <a:r>
+              <a:rPr lang="zh-CN" altLang="en-US" sz="2000" kern="0" dirty="0">
+                <a:solidFill>
+                  <a:srgbClr val="F08300"/>
+                </a:solidFill>
+                <a:latin typeface="黑体" panose="02010609060101010101" pitchFamily="49" charset="-122"/>
+                <a:ea typeface="黑体" panose="02010609060101010101" pitchFamily="49" charset="-122"/>
+                <a:cs typeface="Arial" panose="020B0604020202020204" pitchFamily="34" charset="0"/>
+              </a:rPr>
+              <a:t>）打开树莓派上的网络浏览器，在地址栏输入路由器管理地址，查看树莓派的</a:t>
+            </a:r>
+            <a:r>
+              <a:rPr lang="en-US" altLang="zh-CN" sz="2000" kern="0" dirty="0">
+                <a:solidFill>
+                  <a:srgbClr val="F08300"/>
+                </a:solidFill>
+                <a:latin typeface="黑体" panose="02010609060101010101" pitchFamily="49" charset="-122"/>
+                <a:ea typeface="黑体" panose="02010609060101010101" pitchFamily="49" charset="-122"/>
+                <a:cs typeface="Arial" panose="020B0604020202020204" pitchFamily="34" charset="0"/>
+              </a:rPr>
+              <a:t>IP</a:t>
+            </a:r>
+            <a:r>
+              <a:rPr lang="zh-CN" altLang="en-US" sz="2000" kern="0" dirty="0">
+                <a:solidFill>
+                  <a:srgbClr val="F08300"/>
+                </a:solidFill>
+                <a:latin typeface="黑体" panose="02010609060101010101" pitchFamily="49" charset="-122"/>
+                <a:ea typeface="黑体" panose="02010609060101010101" pitchFamily="49" charset="-122"/>
+                <a:cs typeface="Arial" panose="020B0604020202020204" pitchFamily="34" charset="0"/>
+              </a:rPr>
+              <a:t>地址</a:t>
+            </a:r>
+          </a:p>
+          <a:p>
+            <a:pPr lvl="0"/>
+            <a:r>
+              <a:rPr lang="zh-CN" altLang="en-US" sz="2000" kern="0" dirty="0">
+                <a:solidFill>
+                  <a:srgbClr val="F08300"/>
+                </a:solidFill>
+                <a:latin typeface="黑体" panose="02010609060101010101" pitchFamily="49" charset="-122"/>
+                <a:ea typeface="黑体" panose="02010609060101010101" pitchFamily="49" charset="-122"/>
+                <a:cs typeface="Arial" panose="020B0604020202020204" pitchFamily="34" charset="0"/>
+              </a:rPr>
+              <a:t>（</a:t>
+            </a:r>
+            <a:r>
+              <a:rPr lang="en-US" altLang="zh-CN" sz="2000" kern="0" dirty="0">
+                <a:solidFill>
+                  <a:srgbClr val="F08300"/>
+                </a:solidFill>
+                <a:latin typeface="黑体" panose="02010609060101010101" pitchFamily="49" charset="-122"/>
+                <a:ea typeface="黑体" panose="02010609060101010101" pitchFamily="49" charset="-122"/>
+                <a:cs typeface="Arial" panose="020B0604020202020204" pitchFamily="34" charset="0"/>
+              </a:rPr>
+              <a:t>3</a:t>
+            </a:r>
+            <a:r>
+              <a:rPr lang="zh-CN" altLang="en-US" sz="2000" kern="0" dirty="0">
+                <a:solidFill>
+                  <a:srgbClr val="F08300"/>
+                </a:solidFill>
+                <a:latin typeface="黑体" panose="02010609060101010101" pitchFamily="49" charset="-122"/>
+                <a:ea typeface="黑体" panose="02010609060101010101" pitchFamily="49" charset="-122"/>
+                <a:cs typeface="Arial" panose="020B0604020202020204" pitchFamily="34" charset="0"/>
+              </a:rPr>
+              <a:t>）在浏览器地址栏输入树莓派</a:t>
+            </a:r>
+            <a:r>
+              <a:rPr lang="en-US" altLang="zh-CN" sz="2000" kern="0" dirty="0">
+                <a:solidFill>
+                  <a:srgbClr val="F08300"/>
+                </a:solidFill>
+                <a:latin typeface="黑体" panose="02010609060101010101" pitchFamily="49" charset="-122"/>
+                <a:ea typeface="黑体" panose="02010609060101010101" pitchFamily="49" charset="-122"/>
+                <a:cs typeface="Arial" panose="020B0604020202020204" pitchFamily="34" charset="0"/>
+              </a:rPr>
+              <a:t>IP:81/drive</a:t>
+            </a:r>
+            <a:r>
+              <a:rPr lang="zh-CN" altLang="en-US" sz="2000" kern="0" dirty="0">
+                <a:solidFill>
+                  <a:srgbClr val="F08300"/>
+                </a:solidFill>
+                <a:latin typeface="黑体" panose="02010609060101010101" pitchFamily="49" charset="-122"/>
+                <a:ea typeface="黑体" panose="02010609060101010101" pitchFamily="49" charset="-122"/>
+                <a:cs typeface="Arial" panose="020B0604020202020204" pitchFamily="34" charset="0"/>
+              </a:rPr>
+              <a:t>例如（</a:t>
+            </a:r>
+            <a:r>
+              <a:rPr lang="en-US" altLang="zh-CN" sz="2000" kern="0" dirty="0">
+                <a:solidFill>
+                  <a:srgbClr val="F08300"/>
+                </a:solidFill>
+                <a:latin typeface="黑体" panose="02010609060101010101" pitchFamily="49" charset="-122"/>
+                <a:ea typeface="黑体" panose="02010609060101010101" pitchFamily="49" charset="-122"/>
+                <a:cs typeface="Arial" panose="020B0604020202020204" pitchFamily="34" charset="0"/>
+              </a:rPr>
+              <a:t>192.168.123.100:81/drive</a:t>
+            </a:r>
+            <a:r>
+              <a:rPr lang="zh-CN" altLang="en-US" sz="2000" kern="0" dirty="0">
+                <a:solidFill>
+                  <a:srgbClr val="F08300"/>
+                </a:solidFill>
+                <a:latin typeface="黑体" panose="02010609060101010101" pitchFamily="49" charset="-122"/>
+                <a:ea typeface="黑体" panose="02010609060101010101" pitchFamily="49" charset="-122"/>
+                <a:cs typeface="Arial" panose="020B0604020202020204" pitchFamily="34" charset="0"/>
+              </a:rPr>
+              <a:t>）</a:t>
+            </a:r>
+            <a:endParaRPr lang="en-US" altLang="zh-CN" sz="2000" kern="0" dirty="0">
+              <a:solidFill>
+                <a:srgbClr val="F08300"/>
+              </a:solidFill>
+              <a:latin typeface="黑体" panose="02010609060101010101" pitchFamily="49" charset="-122"/>
+              <a:ea typeface="黑体" panose="02010609060101010101" pitchFamily="49" charset="-122"/>
+              <a:cs typeface="Arial" panose="020B0604020202020204" pitchFamily="34" charset="0"/>
+            </a:endParaRPr>
+          </a:p>
+          <a:p>
+            <a:pPr lvl="0"/>
+            <a:r>
+              <a:rPr lang="zh-CN" altLang="en-US" sz="2000" kern="0" dirty="0">
+                <a:solidFill>
+                  <a:srgbClr val="F08300"/>
+                </a:solidFill>
+                <a:latin typeface="黑体" panose="02010609060101010101" pitchFamily="49" charset="-122"/>
+                <a:ea typeface="黑体" panose="02010609060101010101" pitchFamily="49" charset="-122"/>
+                <a:cs typeface="Arial" panose="020B0604020202020204" pitchFamily="34" charset="0"/>
+              </a:rPr>
+              <a:t>（</a:t>
+            </a:r>
+            <a:r>
+              <a:rPr lang="en-US" altLang="zh-CN" sz="2000" kern="0" dirty="0">
+                <a:solidFill>
+                  <a:srgbClr val="F08300"/>
+                </a:solidFill>
+                <a:latin typeface="黑体" panose="02010609060101010101" pitchFamily="49" charset="-122"/>
+                <a:ea typeface="黑体" panose="02010609060101010101" pitchFamily="49" charset="-122"/>
+                <a:cs typeface="Arial" panose="020B0604020202020204" pitchFamily="34" charset="0"/>
+              </a:rPr>
+              <a:t>4</a:t>
+            </a:r>
+            <a:r>
+              <a:rPr lang="zh-CN" altLang="en-US" sz="2000" kern="0" dirty="0">
+                <a:solidFill>
+                  <a:srgbClr val="F08300"/>
+                </a:solidFill>
+                <a:latin typeface="黑体" panose="02010609060101010101" pitchFamily="49" charset="-122"/>
+                <a:ea typeface="黑体" panose="02010609060101010101" pitchFamily="49" charset="-122"/>
+                <a:cs typeface="Arial" panose="020B0604020202020204" pitchFamily="34" charset="0"/>
+              </a:rPr>
+              <a:t>）在打开的界面上按键盘上的上下左右方向键来测试小车</a:t>
+            </a:r>
+          </a:p>
+          <a:p>
+            <a:pPr lvl="0"/>
+            <a:r>
+              <a:rPr lang="zh-CN" altLang="en-US" sz="2000" kern="0" dirty="0">
+                <a:solidFill>
+                  <a:srgbClr val="F08300"/>
+                </a:solidFill>
+                <a:latin typeface="黑体" panose="02010609060101010101" pitchFamily="49" charset="-122"/>
+                <a:ea typeface="黑体" panose="02010609060101010101" pitchFamily="49" charset="-122"/>
+                <a:cs typeface="Arial" panose="020B0604020202020204" pitchFamily="34" charset="0"/>
+              </a:rPr>
+              <a:t>（</a:t>
+            </a:r>
+            <a:r>
+              <a:rPr lang="en-US" altLang="zh-CN" sz="2000" kern="0" dirty="0">
+                <a:solidFill>
+                  <a:srgbClr val="F08300"/>
+                </a:solidFill>
+                <a:latin typeface="黑体" panose="02010609060101010101" pitchFamily="49" charset="-122"/>
+                <a:ea typeface="黑体" panose="02010609060101010101" pitchFamily="49" charset="-122"/>
+                <a:cs typeface="Arial" panose="020B0604020202020204" pitchFamily="34" charset="0"/>
+              </a:rPr>
+              <a:t>5</a:t>
+            </a:r>
+            <a:r>
+              <a:rPr lang="zh-CN" altLang="en-US" sz="2000" kern="0" dirty="0">
+                <a:solidFill>
+                  <a:srgbClr val="F08300"/>
+                </a:solidFill>
+                <a:latin typeface="黑体" panose="02010609060101010101" pitchFamily="49" charset="-122"/>
+                <a:ea typeface="黑体" panose="02010609060101010101" pitchFamily="49" charset="-122"/>
+                <a:cs typeface="Arial" panose="020B0604020202020204" pitchFamily="34" charset="0"/>
+              </a:rPr>
+              <a:t>）测试完毕后，在终端输入</a:t>
+            </a:r>
+            <a:r>
+              <a:rPr lang="en-US" altLang="zh-CN" sz="2000" kern="0" dirty="0">
+                <a:solidFill>
+                  <a:srgbClr val="F08300"/>
+                </a:solidFill>
+                <a:latin typeface="黑体" panose="02010609060101010101" pitchFamily="49" charset="-122"/>
+                <a:ea typeface="黑体" panose="02010609060101010101" pitchFamily="49" charset="-122"/>
+                <a:cs typeface="Arial" panose="020B0604020202020204" pitchFamily="34" charset="0"/>
+              </a:rPr>
+              <a:t>ctrl + c</a:t>
+            </a:r>
+            <a:r>
+              <a:rPr lang="zh-CN" altLang="en-US" sz="2000" kern="0" dirty="0">
+                <a:solidFill>
+                  <a:srgbClr val="F08300"/>
+                </a:solidFill>
+                <a:latin typeface="黑体" panose="02010609060101010101" pitchFamily="49" charset="-122"/>
+                <a:ea typeface="黑体" panose="02010609060101010101" pitchFamily="49" charset="-122"/>
+                <a:cs typeface="Arial" panose="020B0604020202020204" pitchFamily="34" charset="0"/>
+              </a:rPr>
+              <a:t>来结束当前任务</a:t>
+            </a:r>
+            <a:endParaRPr lang="zh-CN" altLang="zh-CN" sz="2000" kern="0" dirty="0">
+              <a:solidFill>
+                <a:srgbClr val="F08300"/>
+              </a:solidFill>
+              <a:latin typeface="黑体" panose="02010609060101010101" pitchFamily="49" charset="-122"/>
+              <a:ea typeface="黑体" panose="02010609060101010101" pitchFamily="49" charset="-122"/>
+              <a:cs typeface="Arial" panose="020B0604020202020204" pitchFamily="34" charset="0"/>
+            </a:endParaRPr>
+          </a:p>
+          <a:p>
+            <a:pPr>
+              <a:lnSpc>
+                <a:spcPct val="150000"/>
+              </a:lnSpc>
+            </a:pPr>
             <a:endParaRPr lang="en-US" altLang="zh-CN" sz="2000" dirty="0">
               <a:solidFill>
                 <a:srgbClr val="FF0000"/>
@@ -6247,6 +6903,653 @@
 </file>
 
 <file path=ppt/slides/slide11.xml><?xml version="1.0" encoding="utf-8"?>
+<p:sld xmlns:a="http://schemas.openxmlformats.org/drawingml/2006/main" xmlns:r="http://schemas.openxmlformats.org/officeDocument/2006/relationships" xmlns:p="http://schemas.openxmlformats.org/presentationml/2006/main">
+  <p:cSld>
+    <p:spTree>
+      <p:nvGrpSpPr>
+        <p:cNvPr id="1" name=""/>
+        <p:cNvGrpSpPr/>
+        <p:nvPr/>
+      </p:nvGrpSpPr>
+      <p:grpSpPr>
+        <a:xfrm>
+          <a:off x="0" y="0"/>
+          <a:ext cx="0" cy="0"/>
+          <a:chOff x="0" y="0"/>
+          <a:chExt cx="0" cy="0"/>
+        </a:xfrm>
+      </p:grpSpPr>
+      <p:grpSp>
+        <p:nvGrpSpPr>
+          <p:cNvPr id="64" name="组合 63">
+            <a:extLst>
+              <a:ext uri="{FF2B5EF4-FFF2-40B4-BE49-F238E27FC236}">
+                <a16:creationId xmlns:a16="http://schemas.microsoft.com/office/drawing/2014/main" id="{33F1B86B-679B-483A-BB25-442D119764B0}"/>
+              </a:ext>
+            </a:extLst>
+          </p:cNvPr>
+          <p:cNvGrpSpPr/>
+          <p:nvPr/>
+        </p:nvGrpSpPr>
+        <p:grpSpPr>
+          <a:xfrm>
+            <a:off x="692685" y="1031913"/>
+            <a:ext cx="277382" cy="968527"/>
+            <a:chOff x="5938151" y="1986071"/>
+            <a:chExt cx="277382" cy="968527"/>
+          </a:xfrm>
+        </p:grpSpPr>
+        <p:cxnSp>
+          <p:nvCxnSpPr>
+            <p:cNvPr id="34" name="Straight Connector 111">
+              <a:extLst>
+                <a:ext uri="{FF2B5EF4-FFF2-40B4-BE49-F238E27FC236}">
+                  <a16:creationId xmlns:a16="http://schemas.microsoft.com/office/drawing/2014/main" id="{B80599C0-6355-4A60-A862-693B7089E4EF}"/>
+                </a:ext>
+              </a:extLst>
+            </p:cNvPr>
+            <p:cNvCxnSpPr/>
+            <p:nvPr/>
+          </p:nvCxnSpPr>
+          <p:spPr>
+            <a:xfrm rot="5400000">
+              <a:off x="5910413" y="2787205"/>
+              <a:ext cx="332859" cy="1927"/>
+            </a:xfrm>
+            <a:prstGeom prst="line">
+              <a:avLst/>
+            </a:prstGeom>
+            <a:ln w="28575">
+              <a:solidFill>
+                <a:schemeClr val="accent5"/>
+              </a:solidFill>
+              <a:prstDash val="sysDash"/>
+            </a:ln>
+          </p:spPr>
+          <p:style>
+            <a:lnRef idx="1">
+              <a:schemeClr val="accent1"/>
+            </a:lnRef>
+            <a:fillRef idx="0">
+              <a:schemeClr val="accent1"/>
+            </a:fillRef>
+            <a:effectRef idx="0">
+              <a:schemeClr val="accent1"/>
+            </a:effectRef>
+            <a:fontRef idx="minor">
+              <a:schemeClr val="tx1"/>
+            </a:fontRef>
+          </p:style>
+        </p:cxnSp>
+        <p:sp>
+          <p:nvSpPr>
+            <p:cNvPr id="35" name="í$ļïḓe">
+              <a:extLst>
+                <a:ext uri="{FF2B5EF4-FFF2-40B4-BE49-F238E27FC236}">
+                  <a16:creationId xmlns:a16="http://schemas.microsoft.com/office/drawing/2014/main" id="{EEEA89C8-C9F8-4496-A798-AB774C16C926}"/>
+                </a:ext>
+              </a:extLst>
+            </p:cNvPr>
+            <p:cNvSpPr/>
+            <p:nvPr/>
+          </p:nvSpPr>
+          <p:spPr bwMode="auto">
+            <a:xfrm>
+              <a:off x="5938151" y="2332799"/>
+              <a:ext cx="277382" cy="277382"/>
+            </a:xfrm>
+            <a:prstGeom prst="ellipse">
+              <a:avLst/>
+            </a:prstGeom>
+            <a:solidFill>
+              <a:schemeClr val="accent5"/>
+            </a:solidFill>
+            <a:ln w="28575">
+              <a:solidFill>
+                <a:schemeClr val="bg1"/>
+              </a:solidFill>
+              <a:round/>
+              <a:headEnd/>
+              <a:tailEnd/>
+            </a:ln>
+          </p:spPr>
+          <p:txBody>
+            <a:bodyPr anchor="ctr"/>
+            <a:lstStyle/>
+            <a:p>
+              <a:pPr algn="ctr"/>
+              <a:endParaRPr sz="2400">
+                <a:latin typeface="微软雅黑" panose="020B0503020204020204" pitchFamily="34" charset="-122"/>
+                <a:ea typeface="微软雅黑" panose="020B0503020204020204" pitchFamily="34" charset="-122"/>
+              </a:endParaRPr>
+            </a:p>
+          </p:txBody>
+        </p:sp>
+        <p:cxnSp>
+          <p:nvCxnSpPr>
+            <p:cNvPr id="37" name="Straight Connector 116">
+              <a:extLst>
+                <a:ext uri="{FF2B5EF4-FFF2-40B4-BE49-F238E27FC236}">
+                  <a16:creationId xmlns:a16="http://schemas.microsoft.com/office/drawing/2014/main" id="{6B8D1BEE-ABF1-4C6B-BEFE-ABD7F8E0BA4E}"/>
+                </a:ext>
+              </a:extLst>
+            </p:cNvPr>
+            <p:cNvCxnSpPr/>
+            <p:nvPr/>
+          </p:nvCxnSpPr>
+          <p:spPr>
+            <a:xfrm rot="5400000">
+              <a:off x="5910413" y="2151537"/>
+              <a:ext cx="332859" cy="1927"/>
+            </a:xfrm>
+            <a:prstGeom prst="line">
+              <a:avLst/>
+            </a:prstGeom>
+            <a:ln w="28575">
+              <a:solidFill>
+                <a:schemeClr val="accent6"/>
+              </a:solidFill>
+              <a:prstDash val="sysDash"/>
+            </a:ln>
+          </p:spPr>
+          <p:style>
+            <a:lnRef idx="1">
+              <a:schemeClr val="accent1"/>
+            </a:lnRef>
+            <a:fillRef idx="0">
+              <a:schemeClr val="accent1"/>
+            </a:fillRef>
+            <a:effectRef idx="0">
+              <a:schemeClr val="accent1"/>
+            </a:effectRef>
+            <a:fontRef idx="minor">
+              <a:schemeClr val="tx1"/>
+            </a:fontRef>
+          </p:style>
+        </p:cxnSp>
+      </p:grpSp>
+      <p:sp>
+        <p:nvSpPr>
+          <p:cNvPr id="66" name="标题 1">
+            <a:extLst>
+              <a:ext uri="{FF2B5EF4-FFF2-40B4-BE49-F238E27FC236}">
+                <a16:creationId xmlns:a16="http://schemas.microsoft.com/office/drawing/2014/main" id="{9D9E66B2-5FDB-4150-9D01-9F8C5F9590AB}"/>
+              </a:ext>
+            </a:extLst>
+          </p:cNvPr>
+          <p:cNvSpPr>
+            <a:spLocks noGrp="1"/>
+          </p:cNvSpPr>
+          <p:nvPr>
+            <p:ph type="title"/>
+          </p:nvPr>
+        </p:nvSpPr>
+        <p:spPr>
+          <a:xfrm>
+            <a:off x="1108759" y="182521"/>
+            <a:ext cx="8128000" cy="474780"/>
+          </a:xfrm>
+        </p:spPr>
+        <p:txBody>
+          <a:bodyPr>
+            <a:noAutofit/>
+          </a:bodyPr>
+          <a:lstStyle/>
+          <a:p>
+            <a:r>
+              <a:rPr lang="zh-CN" altLang="en-US" sz="2800" dirty="0">
+                <a:solidFill>
+                  <a:srgbClr val="2874A9"/>
+                </a:solidFill>
+                <a:latin typeface="微软雅黑" panose="020B0503020204020204" pitchFamily="34" charset="-122"/>
+                <a:ea typeface="微软雅黑" panose="020B0503020204020204" pitchFamily="34" charset="-122"/>
+              </a:rPr>
+              <a:t>操作步骤</a:t>
+            </a:r>
+          </a:p>
+        </p:txBody>
+      </p:sp>
+      <p:sp>
+        <p:nvSpPr>
+          <p:cNvPr id="8" name="矩形 7">
+            <a:extLst>
+              <a:ext uri="{FF2B5EF4-FFF2-40B4-BE49-F238E27FC236}">
+                <a16:creationId xmlns:a16="http://schemas.microsoft.com/office/drawing/2014/main" id="{CFCE0EDB-5D25-4E4B-B259-E0E1E6F25BD4}"/>
+              </a:ext>
+            </a:extLst>
+          </p:cNvPr>
+          <p:cNvSpPr/>
+          <p:nvPr/>
+        </p:nvSpPr>
+        <p:spPr>
+          <a:xfrm>
+            <a:off x="1284646" y="1198342"/>
+            <a:ext cx="9613726" cy="3737946"/>
+          </a:xfrm>
+          <a:prstGeom prst="rect">
+            <a:avLst/>
+          </a:prstGeom>
+        </p:spPr>
+        <p:txBody>
+          <a:bodyPr wrap="square">
+            <a:spAutoFit/>
+          </a:bodyPr>
+          <a:lstStyle/>
+          <a:p>
+            <a:pPr>
+              <a:lnSpc>
+                <a:spcPct val="150000"/>
+              </a:lnSpc>
+            </a:pPr>
+            <a:r>
+              <a:rPr lang="en-US" altLang="zh-CN" sz="2000" kern="0" dirty="0">
+                <a:solidFill>
+                  <a:srgbClr val="F08300"/>
+                </a:solidFill>
+                <a:latin typeface="黑体" panose="02010609060101010101" pitchFamily="49" charset="-122"/>
+                <a:ea typeface="黑体" panose="02010609060101010101" pitchFamily="49" charset="-122"/>
+                <a:cs typeface="Arial" panose="020B0604020202020204" pitchFamily="34" charset="0"/>
+              </a:rPr>
+              <a:t>3. </a:t>
+            </a:r>
+            <a:r>
+              <a:rPr lang="zh-CN" altLang="en-US" sz="2000" kern="0" dirty="0">
+                <a:solidFill>
+                  <a:srgbClr val="F08300"/>
+                </a:solidFill>
+                <a:latin typeface="黑体" panose="02010609060101010101" pitchFamily="49" charset="-122"/>
+                <a:ea typeface="黑体" panose="02010609060101010101" pitchFamily="49" charset="-122"/>
+                <a:cs typeface="Arial" panose="020B0604020202020204" pitchFamily="34" charset="0"/>
+              </a:rPr>
+              <a:t>摄像头测试</a:t>
+            </a:r>
+            <a:endParaRPr lang="en-US" altLang="zh-CN" sz="2000" kern="0" dirty="0">
+              <a:solidFill>
+                <a:srgbClr val="F08300"/>
+              </a:solidFill>
+              <a:latin typeface="黑体" panose="02010609060101010101" pitchFamily="49" charset="-122"/>
+              <a:ea typeface="黑体" panose="02010609060101010101" pitchFamily="49" charset="-122"/>
+              <a:cs typeface="Arial" panose="020B0604020202020204" pitchFamily="34" charset="0"/>
+            </a:endParaRPr>
+          </a:p>
+          <a:p>
+            <a:pPr lvl="0"/>
+            <a:r>
+              <a:rPr lang="zh-CN" altLang="en-US" sz="2000" kern="0" dirty="0">
+                <a:solidFill>
+                  <a:srgbClr val="F08300"/>
+                </a:solidFill>
+                <a:latin typeface="黑体" panose="02010609060101010101" pitchFamily="49" charset="-122"/>
+                <a:ea typeface="黑体" panose="02010609060101010101" pitchFamily="49" charset="-122"/>
+                <a:cs typeface="Arial" panose="020B0604020202020204" pitchFamily="34" charset="0"/>
+              </a:rPr>
+              <a:t>（</a:t>
+            </a:r>
+            <a:r>
+              <a:rPr lang="en-US" altLang="zh-CN" sz="2000" kern="0" dirty="0">
+                <a:solidFill>
+                  <a:srgbClr val="F08300"/>
+                </a:solidFill>
+                <a:latin typeface="黑体" panose="02010609060101010101" pitchFamily="49" charset="-122"/>
+                <a:ea typeface="黑体" panose="02010609060101010101" pitchFamily="49" charset="-122"/>
+                <a:cs typeface="Arial" panose="020B0604020202020204" pitchFamily="34" charset="0"/>
+              </a:rPr>
+              <a:t>1</a:t>
+            </a:r>
+            <a:r>
+              <a:rPr lang="zh-CN" altLang="en-US" sz="2000" kern="0" dirty="0">
+                <a:solidFill>
+                  <a:srgbClr val="F08300"/>
+                </a:solidFill>
+                <a:latin typeface="黑体" panose="02010609060101010101" pitchFamily="49" charset="-122"/>
+                <a:ea typeface="黑体" panose="02010609060101010101" pitchFamily="49" charset="-122"/>
+                <a:cs typeface="Arial" panose="020B0604020202020204" pitchFamily="34" charset="0"/>
+              </a:rPr>
+              <a:t>）打开终端，执行以下命令</a:t>
+            </a:r>
+            <a:endParaRPr lang="en-US" altLang="zh-CN" sz="2000" kern="0" dirty="0">
+              <a:solidFill>
+                <a:srgbClr val="F08300"/>
+              </a:solidFill>
+              <a:latin typeface="黑体" panose="02010609060101010101" pitchFamily="49" charset="-122"/>
+              <a:ea typeface="黑体" panose="02010609060101010101" pitchFamily="49" charset="-122"/>
+              <a:cs typeface="Arial" panose="020B0604020202020204" pitchFamily="34" charset="0"/>
+            </a:endParaRPr>
+          </a:p>
+          <a:p>
+            <a:pPr lvl="0"/>
+            <a:r>
+              <a:rPr lang="en-US" altLang="zh-CN" sz="2000" kern="0" dirty="0">
+                <a:solidFill>
+                  <a:srgbClr val="F08300"/>
+                </a:solidFill>
+                <a:latin typeface="黑体" panose="02010609060101010101" pitchFamily="49" charset="-122"/>
+                <a:ea typeface="黑体" panose="02010609060101010101" pitchFamily="49" charset="-122"/>
+                <a:cs typeface="Arial" panose="020B0604020202020204" pitchFamily="34" charset="0"/>
+              </a:rPr>
+              <a:t>cd ~/Desktop/learn-ai/chapter5/</a:t>
+            </a:r>
+            <a:r>
+              <a:rPr lang="en-US" altLang="zh-CN" sz="2000" kern="0" dirty="0" err="1">
+                <a:solidFill>
+                  <a:srgbClr val="F08300"/>
+                </a:solidFill>
+                <a:latin typeface="黑体" panose="02010609060101010101" pitchFamily="49" charset="-122"/>
+                <a:ea typeface="黑体" panose="02010609060101010101" pitchFamily="49" charset="-122"/>
+                <a:cs typeface="Arial" panose="020B0604020202020204" pitchFamily="34" charset="0"/>
+              </a:rPr>
+              <a:t>SelfDrivingCar</a:t>
+            </a:r>
+            <a:endParaRPr lang="en-US" altLang="zh-CN" sz="2000" kern="0" dirty="0">
+              <a:solidFill>
+                <a:srgbClr val="F08300"/>
+              </a:solidFill>
+              <a:latin typeface="黑体" panose="02010609060101010101" pitchFamily="49" charset="-122"/>
+              <a:ea typeface="黑体" panose="02010609060101010101" pitchFamily="49" charset="-122"/>
+              <a:cs typeface="Arial" panose="020B0604020202020204" pitchFamily="34" charset="0"/>
+            </a:endParaRPr>
+          </a:p>
+          <a:p>
+            <a:pPr lvl="0"/>
+            <a:r>
+              <a:rPr lang="en-US" altLang="zh-CN" sz="2000" kern="0" dirty="0">
+                <a:solidFill>
+                  <a:srgbClr val="F08300"/>
+                </a:solidFill>
+                <a:latin typeface="黑体" panose="02010609060101010101" pitchFamily="49" charset="-122"/>
+                <a:ea typeface="黑体" panose="02010609060101010101" pitchFamily="49" charset="-122"/>
+                <a:cs typeface="Arial" panose="020B0604020202020204" pitchFamily="34" charset="0"/>
+              </a:rPr>
+              <a:t>cd test</a:t>
+            </a:r>
+          </a:p>
+          <a:p>
+            <a:pPr lvl="0"/>
+            <a:r>
+              <a:rPr lang="en-US" altLang="zh-CN" sz="2000" kern="0" dirty="0">
+                <a:solidFill>
+                  <a:srgbClr val="F08300"/>
+                </a:solidFill>
+                <a:latin typeface="黑体" panose="02010609060101010101" pitchFamily="49" charset="-122"/>
+                <a:ea typeface="黑体" panose="02010609060101010101" pitchFamily="49" charset="-122"/>
+                <a:cs typeface="Arial" panose="020B0604020202020204" pitchFamily="34" charset="0"/>
+              </a:rPr>
+              <a:t>python3 stream_server_test.py</a:t>
+            </a:r>
+          </a:p>
+          <a:p>
+            <a:pPr lvl="0"/>
+            <a:r>
+              <a:rPr lang="zh-CN" altLang="en-US" sz="2000" kern="0" dirty="0">
+                <a:solidFill>
+                  <a:srgbClr val="F08300"/>
+                </a:solidFill>
+                <a:latin typeface="黑体" panose="02010609060101010101" pitchFamily="49" charset="-122"/>
+                <a:ea typeface="黑体" panose="02010609060101010101" pitchFamily="49" charset="-122"/>
+                <a:cs typeface="Arial" panose="020B0604020202020204" pitchFamily="34" charset="0"/>
+              </a:rPr>
+              <a:t>（</a:t>
+            </a:r>
+            <a:r>
+              <a:rPr lang="en-US" altLang="zh-CN" sz="2000" kern="0" dirty="0">
+                <a:solidFill>
+                  <a:srgbClr val="F08300"/>
+                </a:solidFill>
+                <a:latin typeface="黑体" panose="02010609060101010101" pitchFamily="49" charset="-122"/>
+                <a:ea typeface="黑体" panose="02010609060101010101" pitchFamily="49" charset="-122"/>
+                <a:cs typeface="Arial" panose="020B0604020202020204" pitchFamily="34" charset="0"/>
+              </a:rPr>
+              <a:t>2</a:t>
+            </a:r>
+            <a:r>
+              <a:rPr lang="zh-CN" altLang="en-US" sz="2000" kern="0" dirty="0">
+                <a:solidFill>
+                  <a:srgbClr val="F08300"/>
+                </a:solidFill>
+                <a:latin typeface="黑体" panose="02010609060101010101" pitchFamily="49" charset="-122"/>
+                <a:ea typeface="黑体" panose="02010609060101010101" pitchFamily="49" charset="-122"/>
+                <a:cs typeface="Arial" panose="020B0604020202020204" pitchFamily="34" charset="0"/>
+              </a:rPr>
+              <a:t>）新建一个终端窗口</a:t>
+            </a:r>
+            <a:endParaRPr lang="zh-CN" altLang="zh-CN" sz="2000" kern="0" dirty="0">
+              <a:solidFill>
+                <a:srgbClr val="F08300"/>
+              </a:solidFill>
+              <a:latin typeface="黑体" panose="02010609060101010101" pitchFamily="49" charset="-122"/>
+              <a:ea typeface="黑体" panose="02010609060101010101" pitchFamily="49" charset="-122"/>
+              <a:cs typeface="Arial" panose="020B0604020202020204" pitchFamily="34" charset="0"/>
+            </a:endParaRPr>
+          </a:p>
+          <a:p>
+            <a:pPr lvl="0"/>
+            <a:r>
+              <a:rPr lang="zh-CN" altLang="en-US" sz="2000" kern="0" dirty="0">
+                <a:solidFill>
+                  <a:srgbClr val="F08300"/>
+                </a:solidFill>
+                <a:latin typeface="黑体" panose="02010609060101010101" pitchFamily="49" charset="-122"/>
+                <a:ea typeface="黑体" panose="02010609060101010101" pitchFamily="49" charset="-122"/>
+                <a:cs typeface="Arial" panose="020B0604020202020204" pitchFamily="34" charset="0"/>
+              </a:rPr>
+              <a:t>（</a:t>
+            </a:r>
+            <a:r>
+              <a:rPr lang="en-US" altLang="zh-CN" sz="2000" kern="0" dirty="0">
+                <a:solidFill>
+                  <a:srgbClr val="F08300"/>
+                </a:solidFill>
+                <a:latin typeface="黑体" panose="02010609060101010101" pitchFamily="49" charset="-122"/>
+                <a:ea typeface="黑体" panose="02010609060101010101" pitchFamily="49" charset="-122"/>
+                <a:cs typeface="Arial" panose="020B0604020202020204" pitchFamily="34" charset="0"/>
+              </a:rPr>
+              <a:t>3</a:t>
+            </a:r>
+            <a:r>
+              <a:rPr lang="zh-CN" altLang="en-US" sz="2000" kern="0" dirty="0">
+                <a:solidFill>
+                  <a:srgbClr val="F08300"/>
+                </a:solidFill>
+                <a:latin typeface="黑体" panose="02010609060101010101" pitchFamily="49" charset="-122"/>
+                <a:ea typeface="黑体" panose="02010609060101010101" pitchFamily="49" charset="-122"/>
+                <a:cs typeface="Arial" panose="020B0604020202020204" pitchFamily="34" charset="0"/>
+              </a:rPr>
+              <a:t>）在新的终端窗口中输入以下命令，如果有正常的视频画面输出，则测试通过</a:t>
+            </a:r>
+            <a:endParaRPr lang="en-US" altLang="zh-CN" sz="2000" kern="0" dirty="0">
+              <a:solidFill>
+                <a:srgbClr val="F08300"/>
+              </a:solidFill>
+              <a:latin typeface="黑体" panose="02010609060101010101" pitchFamily="49" charset="-122"/>
+              <a:ea typeface="黑体" panose="02010609060101010101" pitchFamily="49" charset="-122"/>
+              <a:cs typeface="Arial" panose="020B0604020202020204" pitchFamily="34" charset="0"/>
+            </a:endParaRPr>
+          </a:p>
+          <a:p>
+            <a:pPr lvl="0"/>
+            <a:r>
+              <a:rPr lang="en-US" altLang="zh-CN" sz="2000" kern="0" dirty="0">
+                <a:solidFill>
+                  <a:srgbClr val="F08300"/>
+                </a:solidFill>
+                <a:latin typeface="黑体" panose="02010609060101010101" pitchFamily="49" charset="-122"/>
+                <a:ea typeface="黑体" panose="02010609060101010101" pitchFamily="49" charset="-122"/>
+                <a:cs typeface="Arial" panose="020B0604020202020204" pitchFamily="34" charset="0"/>
+              </a:rPr>
+              <a:t>cd ~/Desktop/learn-ai/chapter5/</a:t>
+            </a:r>
+            <a:r>
+              <a:rPr lang="en-US" altLang="zh-CN" sz="2000" kern="0" dirty="0" err="1">
+                <a:solidFill>
+                  <a:srgbClr val="F08300"/>
+                </a:solidFill>
+                <a:latin typeface="黑体" panose="02010609060101010101" pitchFamily="49" charset="-122"/>
+                <a:ea typeface="黑体" panose="02010609060101010101" pitchFamily="49" charset="-122"/>
+                <a:cs typeface="Arial" panose="020B0604020202020204" pitchFamily="34" charset="0"/>
+              </a:rPr>
+              <a:t>SelfDrivingCar</a:t>
+            </a:r>
+            <a:endParaRPr lang="en-US" altLang="zh-CN" sz="2000" kern="0" dirty="0">
+              <a:solidFill>
+                <a:srgbClr val="F08300"/>
+              </a:solidFill>
+              <a:latin typeface="黑体" panose="02010609060101010101" pitchFamily="49" charset="-122"/>
+              <a:ea typeface="黑体" panose="02010609060101010101" pitchFamily="49" charset="-122"/>
+              <a:cs typeface="Arial" panose="020B0604020202020204" pitchFamily="34" charset="0"/>
+            </a:endParaRPr>
+          </a:p>
+          <a:p>
+            <a:pPr lvl="0"/>
+            <a:r>
+              <a:rPr lang="en-US" altLang="zh-CN" sz="2000" kern="0" dirty="0">
+                <a:solidFill>
+                  <a:srgbClr val="F08300"/>
+                </a:solidFill>
+                <a:latin typeface="黑体" panose="02010609060101010101" pitchFamily="49" charset="-122"/>
+                <a:ea typeface="黑体" panose="02010609060101010101" pitchFamily="49" charset="-122"/>
+                <a:cs typeface="Arial" panose="020B0604020202020204" pitchFamily="34" charset="0"/>
+              </a:rPr>
+              <a:t>cd </a:t>
+            </a:r>
+            <a:r>
+              <a:rPr lang="en-US" altLang="zh-CN" sz="2000" kern="0" dirty="0" err="1">
+                <a:solidFill>
+                  <a:srgbClr val="F08300"/>
+                </a:solidFill>
+                <a:latin typeface="黑体" panose="02010609060101010101" pitchFamily="49" charset="-122"/>
+                <a:ea typeface="黑体" panose="02010609060101010101" pitchFamily="49" charset="-122"/>
+                <a:cs typeface="Arial" panose="020B0604020202020204" pitchFamily="34" charset="0"/>
+              </a:rPr>
+              <a:t>raspberryPi</a:t>
+            </a:r>
+            <a:endParaRPr lang="en-US" altLang="zh-CN" sz="2000" kern="0" dirty="0">
+              <a:solidFill>
+                <a:srgbClr val="F08300"/>
+              </a:solidFill>
+              <a:latin typeface="黑体" panose="02010609060101010101" pitchFamily="49" charset="-122"/>
+              <a:ea typeface="黑体" panose="02010609060101010101" pitchFamily="49" charset="-122"/>
+              <a:cs typeface="Arial" panose="020B0604020202020204" pitchFamily="34" charset="0"/>
+            </a:endParaRPr>
+          </a:p>
+          <a:p>
+            <a:pPr lvl="0"/>
+            <a:r>
+              <a:rPr lang="en-US" altLang="zh-CN" sz="2000" kern="0" dirty="0" err="1">
+                <a:solidFill>
+                  <a:srgbClr val="F08300"/>
+                </a:solidFill>
+                <a:latin typeface="黑体" panose="02010609060101010101" pitchFamily="49" charset="-122"/>
+                <a:ea typeface="黑体" panose="02010609060101010101" pitchFamily="49" charset="-122"/>
+                <a:cs typeface="Arial" panose="020B0604020202020204" pitchFamily="34" charset="0"/>
+              </a:rPr>
+              <a:t>sudo</a:t>
+            </a:r>
+            <a:r>
+              <a:rPr lang="en-US" altLang="zh-CN" sz="2000" kern="0" dirty="0">
+                <a:solidFill>
+                  <a:srgbClr val="F08300"/>
+                </a:solidFill>
+                <a:latin typeface="黑体" panose="02010609060101010101" pitchFamily="49" charset="-122"/>
+                <a:ea typeface="黑体" panose="02010609060101010101" pitchFamily="49" charset="-122"/>
+                <a:cs typeface="Arial" panose="020B0604020202020204" pitchFamily="34" charset="0"/>
+              </a:rPr>
+              <a:t> python3 stream_client.py</a:t>
+            </a:r>
+          </a:p>
+          <a:p>
+            <a:pPr>
+              <a:lnSpc>
+                <a:spcPct val="150000"/>
+              </a:lnSpc>
+            </a:pPr>
+            <a:r>
+              <a:rPr lang="zh-CN" altLang="en-US" sz="2000" kern="0" dirty="0">
+                <a:solidFill>
+                  <a:srgbClr val="F08300"/>
+                </a:solidFill>
+                <a:latin typeface="黑体" panose="02010609060101010101" pitchFamily="49" charset="-122"/>
+                <a:ea typeface="黑体" panose="02010609060101010101" pitchFamily="49" charset="-122"/>
+                <a:cs typeface="Arial" panose="020B0604020202020204" pitchFamily="34" charset="0"/>
+              </a:rPr>
+              <a:t>（</a:t>
+            </a:r>
+            <a:r>
+              <a:rPr lang="en-US" altLang="zh-CN" sz="2000" kern="0" dirty="0">
+                <a:solidFill>
+                  <a:srgbClr val="F08300"/>
+                </a:solidFill>
+                <a:latin typeface="黑体" panose="02010609060101010101" pitchFamily="49" charset="-122"/>
+                <a:ea typeface="黑体" panose="02010609060101010101" pitchFamily="49" charset="-122"/>
+                <a:cs typeface="Arial" panose="020B0604020202020204" pitchFamily="34" charset="0"/>
+              </a:rPr>
+              <a:t>4</a:t>
+            </a:r>
+            <a:r>
+              <a:rPr lang="zh-CN" altLang="en-US" sz="2000" kern="0" dirty="0">
+                <a:solidFill>
+                  <a:srgbClr val="F08300"/>
+                </a:solidFill>
+                <a:latin typeface="黑体" panose="02010609060101010101" pitchFamily="49" charset="-122"/>
+                <a:ea typeface="黑体" panose="02010609060101010101" pitchFamily="49" charset="-122"/>
+                <a:cs typeface="Arial" panose="020B0604020202020204" pitchFamily="34" charset="0"/>
+              </a:rPr>
+              <a:t>）在终端输入</a:t>
+            </a:r>
+            <a:r>
+              <a:rPr lang="en-US" altLang="zh-CN" sz="2000" kern="0" dirty="0">
+                <a:solidFill>
+                  <a:srgbClr val="F08300"/>
+                </a:solidFill>
+                <a:latin typeface="黑体" panose="02010609060101010101" pitchFamily="49" charset="-122"/>
+                <a:ea typeface="黑体" panose="02010609060101010101" pitchFamily="49" charset="-122"/>
+                <a:cs typeface="Arial" panose="020B0604020202020204" pitchFamily="34" charset="0"/>
+              </a:rPr>
+              <a:t>ctrl + c</a:t>
+            </a:r>
+            <a:r>
+              <a:rPr lang="zh-CN" altLang="en-US" sz="2000" kern="0" dirty="0">
+                <a:solidFill>
+                  <a:srgbClr val="F08300"/>
+                </a:solidFill>
+                <a:latin typeface="黑体" panose="02010609060101010101" pitchFamily="49" charset="-122"/>
+                <a:ea typeface="黑体" panose="02010609060101010101" pitchFamily="49" charset="-122"/>
+                <a:cs typeface="Arial" panose="020B0604020202020204" pitchFamily="34" charset="0"/>
+              </a:rPr>
+              <a:t>来结束当前任务</a:t>
+            </a:r>
+            <a:endParaRPr lang="en-US" altLang="zh-CN" sz="2000" kern="0" dirty="0">
+              <a:solidFill>
+                <a:srgbClr val="F08300"/>
+              </a:solidFill>
+              <a:latin typeface="黑体" panose="02010609060101010101" pitchFamily="49" charset="-122"/>
+              <a:ea typeface="黑体" panose="02010609060101010101" pitchFamily="49" charset="-122"/>
+              <a:cs typeface="Arial" panose="020B0604020202020204" pitchFamily="34" charset="0"/>
+            </a:endParaRPr>
+          </a:p>
+        </p:txBody>
+      </p:sp>
+    </p:spTree>
+    <p:extLst>
+      <p:ext uri="{BB962C8B-B14F-4D97-AF65-F5344CB8AC3E}">
+        <p14:creationId xmlns:p14="http://schemas.microsoft.com/office/powerpoint/2010/main" val="2492956833"/>
+      </p:ext>
+    </p:extLst>
+  </p:cSld>
+  <p:clrMapOvr>
+    <a:masterClrMapping/>
+  </p:clrMapOvr>
+  <mc:AlternateContent xmlns:mc="http://schemas.openxmlformats.org/markup-compatibility/2006" xmlns:p14="http://schemas.microsoft.com/office/powerpoint/2010/main">
+    <mc:Choice Requires="p14">
+      <p:transition spd="slow" p14:dur="2000" advClick="0" advTm="5000"/>
+    </mc:Choice>
+    <mc:Fallback xmlns="">
+      <p:transition spd="slow" advClick="0" advTm="5000"/>
+    </mc:Fallback>
+  </mc:AlternateContent>
+</p:sld>
+</file>
+
+<file path=ppt/slides/slide12.xml><?xml version="1.0" encoding="utf-8"?>
 <p:sld xmlns:a="http://schemas.openxmlformats.org/drawingml/2006/main" xmlns:r="http://schemas.openxmlformats.org/officeDocument/2006/relationships" xmlns:p="http://schemas.openxmlformats.org/presentationml/2006/main">
   <p:cSld>
     <p:spTree>
@@ -8528,8 +9831,8 @@
         </p:nvSpPr>
         <p:spPr>
           <a:xfrm>
-            <a:off x="1998132" y="1884740"/>
-            <a:ext cx="7704667" cy="3693319"/>
+            <a:off x="1556907" y="1798475"/>
+            <a:ext cx="9078185" cy="4093428"/>
           </a:xfrm>
           <a:prstGeom prst="rect">
             <a:avLst/>
@@ -8542,7 +9845,7 @@
           <a:lstStyle/>
           <a:p>
             <a:r>
-              <a:rPr lang="zh-CN" altLang="en-US" dirty="0">
+              <a:rPr lang="zh-CN" altLang="en-US" sz="2000" dirty="0">
                 <a:solidFill>
                   <a:srgbClr val="333333"/>
                 </a:solidFill>
@@ -8551,7 +9854,7 @@
               </a:rPr>
               <a:t>在这方面，中国的起步也并不算晚。</a:t>
             </a:r>
-            <a:endParaRPr lang="en-US" altLang="zh-CN" dirty="0">
+            <a:endParaRPr lang="en-US" altLang="zh-CN" sz="2000" dirty="0">
               <a:solidFill>
                 <a:srgbClr val="333333"/>
               </a:solidFill>
@@ -8560,7 +9863,7 @@
             </a:endParaRPr>
           </a:p>
           <a:p>
-            <a:endParaRPr lang="en-US" altLang="zh-CN" dirty="0">
+            <a:endParaRPr lang="en-US" altLang="zh-CN" sz="2000" dirty="0">
               <a:solidFill>
                 <a:srgbClr val="333333"/>
               </a:solidFill>
@@ -8570,7 +9873,7 @@
           </a:p>
           <a:p>
             <a:r>
-              <a:rPr lang="zh-CN" altLang="en-US" dirty="0">
+              <a:rPr lang="zh-CN" altLang="en-US" sz="2000" dirty="0">
                 <a:solidFill>
                   <a:srgbClr val="333333"/>
                 </a:solidFill>
@@ -8580,7 +9883,7 @@
               <a:t>我国早在</a:t>
             </a:r>
             <a:r>
-              <a:rPr lang="en-US" altLang="zh-CN" dirty="0">
+              <a:rPr lang="en-US" altLang="zh-CN" sz="2000" dirty="0">
                 <a:solidFill>
                   <a:srgbClr val="333333"/>
                 </a:solidFill>
@@ -8590,7 +9893,7 @@
               <a:t>1980</a:t>
             </a:r>
             <a:r>
-              <a:rPr lang="zh-CN" altLang="en-US" dirty="0">
+              <a:rPr lang="zh-CN" altLang="en-US" sz="2000" dirty="0">
                 <a:solidFill>
                   <a:srgbClr val="333333"/>
                 </a:solidFill>
@@ -8600,7 +9903,7 @@
               <a:t>年成立了“遥控驾驶的防核化侦察车”项目，并由北京理工大学、国防科技大学等五家单位联合研制成功了</a:t>
             </a:r>
             <a:r>
-              <a:rPr lang="en-US" altLang="zh-CN" dirty="0">
+              <a:rPr lang="en-US" altLang="zh-CN" sz="2000" dirty="0">
                 <a:solidFill>
                   <a:srgbClr val="333333"/>
                 </a:solidFill>
@@ -8610,7 +9913,7 @@
               <a:t>ATB-1</a:t>
             </a:r>
             <a:r>
-              <a:rPr lang="zh-CN" altLang="en-US" dirty="0">
+              <a:rPr lang="zh-CN" altLang="en-US" sz="2000" dirty="0">
                 <a:solidFill>
                   <a:srgbClr val="333333"/>
                 </a:solidFill>
@@ -8620,7 +9923,7 @@
               <a:t>无人车，行驶速度</a:t>
             </a:r>
             <a:r>
-              <a:rPr lang="en-US" altLang="zh-CN" dirty="0">
+              <a:rPr lang="en-US" altLang="zh-CN" sz="2000" dirty="0">
                 <a:solidFill>
                   <a:srgbClr val="333333"/>
                 </a:solidFill>
@@ -8630,7 +9933,7 @@
               <a:t>21</a:t>
             </a:r>
             <a:r>
-              <a:rPr lang="zh-CN" altLang="en-US" dirty="0">
+              <a:rPr lang="zh-CN" altLang="en-US" sz="2000" dirty="0">
                 <a:solidFill>
                   <a:srgbClr val="333333"/>
                 </a:solidFill>
@@ -8640,7 +9943,7 @@
               <a:t>公里</a:t>
             </a:r>
             <a:r>
-              <a:rPr lang="en-US" altLang="zh-CN" dirty="0">
+              <a:rPr lang="en-US" altLang="zh-CN" sz="2000" dirty="0">
                 <a:solidFill>
                   <a:srgbClr val="333333"/>
                 </a:solidFill>
@@ -8650,7 +9953,7 @@
               <a:t>/</a:t>
             </a:r>
             <a:r>
-              <a:rPr lang="zh-CN" altLang="en-US" dirty="0">
+              <a:rPr lang="zh-CN" altLang="en-US" sz="2000" dirty="0">
                 <a:solidFill>
                   <a:srgbClr val="333333"/>
                 </a:solidFill>
@@ -8659,7 +9962,7 @@
               </a:rPr>
               <a:t>小时，这是我国第一辆能够自主驾驶的测试样车。</a:t>
             </a:r>
-            <a:endParaRPr lang="en-US" altLang="zh-CN" dirty="0">
+            <a:endParaRPr lang="en-US" altLang="zh-CN" sz="2000" dirty="0">
               <a:solidFill>
                 <a:srgbClr val="333333"/>
               </a:solidFill>
@@ -8668,7 +9971,7 @@
             </a:endParaRPr>
           </a:p>
           <a:p>
-            <a:endParaRPr lang="en-US" altLang="zh-CN" dirty="0">
+            <a:endParaRPr lang="en-US" altLang="zh-CN" sz="2000" dirty="0">
               <a:solidFill>
                 <a:srgbClr val="333333"/>
               </a:solidFill>
@@ -8678,7 +9981,7 @@
           </a:p>
           <a:p>
             <a:r>
-              <a:rPr lang="zh-CN" altLang="en-US" dirty="0">
+              <a:rPr lang="zh-CN" altLang="en-US" sz="2000" dirty="0">
                 <a:solidFill>
                   <a:srgbClr val="333333"/>
                 </a:solidFill>
@@ -8687,7 +9990,7 @@
               </a:rPr>
               <a:t>而近年我国无人驾驶汽车路测也逐渐增多，</a:t>
             </a:r>
-            <a:endParaRPr lang="en-US" altLang="zh-CN" dirty="0">
+            <a:endParaRPr lang="en-US" altLang="zh-CN" sz="2000" dirty="0">
               <a:solidFill>
                 <a:srgbClr val="333333"/>
               </a:solidFill>
@@ -8697,7 +10000,7 @@
           </a:p>
           <a:p>
             <a:r>
-              <a:rPr lang="en-US" altLang="zh-CN" dirty="0">
+              <a:rPr lang="en-US" altLang="zh-CN" sz="2000" dirty="0">
                 <a:solidFill>
                   <a:srgbClr val="333333"/>
                 </a:solidFill>
@@ -8707,7 +10010,7 @@
               <a:t>2011</a:t>
             </a:r>
             <a:r>
-              <a:rPr lang="zh-CN" altLang="en-US" dirty="0">
+              <a:rPr lang="zh-CN" altLang="en-US" sz="2000" dirty="0">
                 <a:solidFill>
                   <a:srgbClr val="333333"/>
                 </a:solidFill>
@@ -8717,7 +10020,7 @@
               <a:t>年</a:t>
             </a:r>
             <a:r>
-              <a:rPr lang="en-US" altLang="zh-CN" dirty="0">
+              <a:rPr lang="en-US" altLang="zh-CN" sz="2000" dirty="0">
                 <a:solidFill>
                   <a:srgbClr val="333333"/>
                 </a:solidFill>
@@ -8727,7 +10030,7 @@
               <a:t>7</a:t>
             </a:r>
             <a:r>
-              <a:rPr lang="zh-CN" altLang="en-US" dirty="0">
+              <a:rPr lang="zh-CN" altLang="en-US" sz="2000" dirty="0">
                 <a:solidFill>
                   <a:srgbClr val="333333"/>
                 </a:solidFill>
@@ -8737,7 +10040,7 @@
               <a:t>月</a:t>
             </a:r>
             <a:r>
-              <a:rPr lang="en-US" altLang="zh-CN" dirty="0">
+              <a:rPr lang="en-US" altLang="zh-CN" sz="2000" dirty="0">
                 <a:solidFill>
                   <a:srgbClr val="333333"/>
                 </a:solidFill>
@@ -8747,7 +10050,7 @@
               <a:t>14</a:t>
             </a:r>
             <a:r>
-              <a:rPr lang="zh-CN" altLang="en-US" dirty="0">
+              <a:rPr lang="zh-CN" altLang="en-US" sz="2000" dirty="0">
                 <a:solidFill>
                   <a:srgbClr val="333333"/>
                 </a:solidFill>
@@ -8757,7 +10060,7 @@
               <a:t>日，红旗</a:t>
             </a:r>
             <a:r>
-              <a:rPr lang="en-US" altLang="zh-CN" dirty="0">
+              <a:rPr lang="en-US" altLang="zh-CN" sz="2000" dirty="0">
                 <a:solidFill>
                   <a:srgbClr val="333333"/>
                 </a:solidFill>
@@ -8767,7 +10070,7 @@
               <a:t>HQ3</a:t>
             </a:r>
             <a:r>
-              <a:rPr lang="zh-CN" altLang="en-US" dirty="0">
+              <a:rPr lang="zh-CN" altLang="en-US" sz="2000" dirty="0">
                 <a:solidFill>
                   <a:srgbClr val="333333"/>
                 </a:solidFill>
@@ -8777,7 +10080,7 @@
               <a:t>首次完成了从长沙到武汉</a:t>
             </a:r>
             <a:r>
-              <a:rPr lang="en-US" altLang="zh-CN" dirty="0">
+              <a:rPr lang="en-US" altLang="zh-CN" sz="2000" dirty="0">
                 <a:solidFill>
                   <a:srgbClr val="333333"/>
                 </a:solidFill>
@@ -8787,7 +10090,7 @@
               <a:t>286</a:t>
             </a:r>
             <a:r>
-              <a:rPr lang="zh-CN" altLang="en-US" dirty="0">
+              <a:rPr lang="zh-CN" altLang="en-US" sz="2000" dirty="0">
                 <a:solidFill>
                   <a:srgbClr val="333333"/>
                 </a:solidFill>
@@ -8796,7 +10099,7 @@
               </a:rPr>
               <a:t>公里的高速全程无人驾驶试验；</a:t>
             </a:r>
-            <a:endParaRPr lang="en-US" altLang="zh-CN" dirty="0">
+            <a:endParaRPr lang="en-US" altLang="zh-CN" sz="2000" dirty="0">
               <a:solidFill>
                 <a:srgbClr val="333333"/>
               </a:solidFill>
@@ -8806,7 +10109,7 @@
           </a:p>
           <a:p>
             <a:r>
-              <a:rPr lang="en-US" altLang="zh-CN" dirty="0">
+              <a:rPr lang="en-US" altLang="zh-CN" sz="2000" dirty="0">
                 <a:solidFill>
                   <a:srgbClr val="333333"/>
                 </a:solidFill>
@@ -8816,7 +10119,7 @@
               <a:t>2015</a:t>
             </a:r>
             <a:r>
-              <a:rPr lang="zh-CN" altLang="en-US" dirty="0">
+              <a:rPr lang="zh-CN" altLang="en-US" sz="2000" dirty="0">
                 <a:solidFill>
                   <a:srgbClr val="333333"/>
                 </a:solidFill>
@@ -8826,7 +10129,7 @@
               <a:t>年</a:t>
             </a:r>
             <a:r>
-              <a:rPr lang="en-US" altLang="zh-CN" dirty="0">
+              <a:rPr lang="en-US" altLang="zh-CN" sz="2000" dirty="0">
                 <a:solidFill>
                   <a:srgbClr val="333333"/>
                 </a:solidFill>
@@ -8836,7 +10139,7 @@
               <a:t>8</a:t>
             </a:r>
             <a:r>
-              <a:rPr lang="zh-CN" altLang="en-US" dirty="0">
+              <a:rPr lang="zh-CN" altLang="en-US" sz="2000" dirty="0">
                 <a:solidFill>
                   <a:srgbClr val="333333"/>
                 </a:solidFill>
@@ -8846,7 +10149,7 @@
               <a:t>月宇通大型客车在完全开放的道路环境下完成自动驾驶试验，共行驶</a:t>
             </a:r>
             <a:r>
-              <a:rPr lang="en-US" altLang="zh-CN" dirty="0">
+              <a:rPr lang="en-US" altLang="zh-CN" sz="2000" dirty="0">
                 <a:solidFill>
                   <a:srgbClr val="333333"/>
                 </a:solidFill>
@@ -8856,7 +10159,7 @@
               <a:t>32.6</a:t>
             </a:r>
             <a:r>
-              <a:rPr lang="zh-CN" altLang="en-US" dirty="0">
+              <a:rPr lang="zh-CN" altLang="en-US" sz="2000" dirty="0">
                 <a:solidFill>
                   <a:srgbClr val="333333"/>
                 </a:solidFill>
@@ -8866,7 +10169,7 @@
               <a:t>公里，最高时速</a:t>
             </a:r>
             <a:r>
-              <a:rPr lang="en-US" altLang="zh-CN" dirty="0">
+              <a:rPr lang="en-US" altLang="zh-CN" sz="2000" dirty="0">
                 <a:solidFill>
                   <a:srgbClr val="333333"/>
                 </a:solidFill>
@@ -8876,7 +10179,7 @@
               <a:t>68</a:t>
             </a:r>
             <a:r>
-              <a:rPr lang="zh-CN" altLang="en-US" dirty="0">
+              <a:rPr lang="zh-CN" altLang="en-US" sz="2000" dirty="0">
                 <a:solidFill>
                   <a:srgbClr val="333333"/>
                 </a:solidFill>
@@ -8885,7 +10188,7 @@
               </a:rPr>
               <a:t>公里，全程无人工干预；</a:t>
             </a:r>
-            <a:endParaRPr lang="en-US" altLang="zh-CN" dirty="0">
+            <a:endParaRPr lang="en-US" altLang="zh-CN" sz="2000" dirty="0">
               <a:solidFill>
                 <a:srgbClr val="333333"/>
               </a:solidFill>
@@ -8895,7 +10198,7 @@
           </a:p>
           <a:p>
             <a:r>
-              <a:rPr lang="en-US" altLang="zh-CN" dirty="0">
+              <a:rPr lang="en-US" altLang="zh-CN" sz="2000" dirty="0">
                 <a:solidFill>
                   <a:srgbClr val="333333"/>
                 </a:solidFill>
@@ -8905,7 +10208,7 @@
               <a:t>2015</a:t>
             </a:r>
             <a:r>
-              <a:rPr lang="zh-CN" altLang="en-US" dirty="0">
+              <a:rPr lang="zh-CN" altLang="en-US" sz="2000" dirty="0">
                 <a:solidFill>
                   <a:srgbClr val="333333"/>
                 </a:solidFill>
@@ -8915,7 +10218,7 @@
               <a:t>年</a:t>
             </a:r>
             <a:r>
-              <a:rPr lang="en-US" altLang="zh-CN" dirty="0">
+              <a:rPr lang="en-US" altLang="zh-CN" sz="2000" dirty="0">
                 <a:solidFill>
                   <a:srgbClr val="333333"/>
                 </a:solidFill>
@@ -8925,7 +10228,7 @@
               <a:t>12</a:t>
             </a:r>
             <a:r>
-              <a:rPr lang="zh-CN" altLang="en-US" dirty="0">
+              <a:rPr lang="zh-CN" altLang="en-US" sz="2000" dirty="0">
                 <a:solidFill>
                   <a:srgbClr val="333333"/>
                 </a:solidFill>
@@ -8935,7 +10238,7 @@
               <a:t>月，百度无人驾驶汽车完成北京开放高速公路的自动驾驶测试；</a:t>
             </a:r>
             <a:r>
-              <a:rPr lang="en-US" altLang="zh-CN" dirty="0">
+              <a:rPr lang="en-US" altLang="zh-CN" sz="2000" dirty="0">
                 <a:solidFill>
                   <a:srgbClr val="333333"/>
                 </a:solidFill>
@@ -8945,7 +10248,7 @@
               <a:t>2016</a:t>
             </a:r>
             <a:r>
-              <a:rPr lang="zh-CN" altLang="en-US" dirty="0">
+              <a:rPr lang="zh-CN" altLang="en-US" sz="2000" dirty="0">
                 <a:solidFill>
                   <a:srgbClr val="333333"/>
                 </a:solidFill>
@@ -8955,7 +10258,7 @@
               <a:t>年</a:t>
             </a:r>
             <a:r>
-              <a:rPr lang="en-US" altLang="zh-CN" dirty="0">
+              <a:rPr lang="en-US" altLang="zh-CN" sz="2000" dirty="0">
                 <a:solidFill>
                   <a:srgbClr val="333333"/>
                 </a:solidFill>
@@ -8965,7 +10268,7 @@
               <a:t>4</a:t>
             </a:r>
             <a:r>
-              <a:rPr lang="zh-CN" altLang="en-US" dirty="0">
+              <a:rPr lang="zh-CN" altLang="en-US" sz="2000" dirty="0">
                 <a:solidFill>
                   <a:srgbClr val="333333"/>
                 </a:solidFill>
@@ -8975,7 +10278,7 @@
               <a:t>月，长安汽车成功完成</a:t>
             </a:r>
             <a:r>
-              <a:rPr lang="en-US" altLang="zh-CN" dirty="0">
+              <a:rPr lang="en-US" altLang="zh-CN" sz="2000" dirty="0">
                 <a:solidFill>
                   <a:srgbClr val="333333"/>
                 </a:solidFill>
@@ -8985,7 +10288,7 @@
               <a:t>2000</a:t>
             </a:r>
             <a:r>
-              <a:rPr lang="zh-CN" altLang="en-US" dirty="0">
+              <a:rPr lang="zh-CN" altLang="en-US" sz="2000" dirty="0">
                 <a:solidFill>
                   <a:srgbClr val="333333"/>
                 </a:solidFill>
@@ -8994,7 +10297,7 @@
               </a:rPr>
               <a:t>公里无人驾驶测试。</a:t>
             </a:r>
-            <a:endParaRPr lang="zh-CN" altLang="en-US" dirty="0">
+            <a:endParaRPr lang="zh-CN" altLang="en-US" sz="2000" dirty="0">
               <a:latin typeface="黑体" panose="02010609060101010101" pitchFamily="49" charset="-122"/>
               <a:ea typeface="黑体" panose="02010609060101010101" pitchFamily="49" charset="-122"/>
             </a:endParaRPr>
@@ -9582,7 +10885,7 @@
         <p:spPr>
           <a:xfrm>
             <a:off x="1108759" y="1755399"/>
-            <a:ext cx="10093616" cy="2862322"/>
+            <a:ext cx="10093616" cy="3170099"/>
           </a:xfrm>
           <a:prstGeom prst="rect">
             <a:avLst/>
@@ -9595,21 +10898,21 @@
           <a:lstStyle/>
           <a:p>
             <a:r>
-              <a:rPr lang="zh-CN" altLang="en-US" kern="0" dirty="0">
+              <a:rPr lang="zh-CN" altLang="en-US" sz="2000" kern="0" dirty="0">
                 <a:latin typeface="黑体" panose="02010609060101010101" pitchFamily="49" charset="-122"/>
                 <a:ea typeface="黑体" panose="02010609060101010101" pitchFamily="49" charset="-122"/>
                 <a:cs typeface="Arial" panose="020B0604020202020204" pitchFamily="34" charset="0"/>
               </a:rPr>
               <a:t>车顶上的扫描器发射激光射线，然后激光碰到车辆周围的物体，又反射回来，这样就计算出了物体的距离。</a:t>
             </a:r>
-            <a:endParaRPr lang="en-US" altLang="zh-CN" kern="0" dirty="0">
+            <a:endParaRPr lang="en-US" altLang="zh-CN" sz="2000" kern="0" dirty="0">
               <a:latin typeface="黑体" panose="02010609060101010101" pitchFamily="49" charset="-122"/>
               <a:ea typeface="黑体" panose="02010609060101010101" pitchFamily="49" charset="-122"/>
               <a:cs typeface="Arial" panose="020B0604020202020204" pitchFamily="34" charset="0"/>
             </a:endParaRPr>
           </a:p>
           <a:p>
-            <a:endParaRPr lang="en-US" altLang="zh-CN" kern="0" dirty="0">
+            <a:endParaRPr lang="en-US" altLang="zh-CN" sz="2000" kern="0" dirty="0">
               <a:latin typeface="黑体" panose="02010609060101010101" pitchFamily="49" charset="-122"/>
               <a:ea typeface="黑体" panose="02010609060101010101" pitchFamily="49" charset="-122"/>
               <a:cs typeface="Arial" panose="020B0604020202020204" pitchFamily="34" charset="0"/>
@@ -9617,21 +10920,21 @@
           </a:p>
           <a:p>
             <a:r>
-              <a:rPr lang="zh-CN" altLang="en-US" kern="0" dirty="0">
+              <a:rPr lang="zh-CN" altLang="en-US" sz="2000" kern="0" dirty="0">
                 <a:latin typeface="黑体" panose="02010609060101010101" pitchFamily="49" charset="-122"/>
                 <a:ea typeface="黑体" panose="02010609060101010101" pitchFamily="49" charset="-122"/>
                 <a:cs typeface="Arial" panose="020B0604020202020204" pitchFamily="34" charset="0"/>
               </a:rPr>
               <a:t>另一套在底部的系统测量出车辆在三个方向上的加速度、角速度等数据。</a:t>
             </a:r>
-            <a:endParaRPr lang="en-US" altLang="zh-CN" kern="0" dirty="0">
+            <a:endParaRPr lang="en-US" altLang="zh-CN" sz="2000" kern="0" dirty="0">
               <a:latin typeface="黑体" panose="02010609060101010101" pitchFamily="49" charset="-122"/>
               <a:ea typeface="黑体" panose="02010609060101010101" pitchFamily="49" charset="-122"/>
               <a:cs typeface="Arial" panose="020B0604020202020204" pitchFamily="34" charset="0"/>
             </a:endParaRPr>
           </a:p>
           <a:p>
-            <a:endParaRPr lang="en-US" altLang="zh-CN" kern="0" dirty="0">
+            <a:endParaRPr lang="en-US" altLang="zh-CN" sz="2000" kern="0" dirty="0">
               <a:latin typeface="黑体" panose="02010609060101010101" pitchFamily="49" charset="-122"/>
               <a:ea typeface="黑体" panose="02010609060101010101" pitchFamily="49" charset="-122"/>
               <a:cs typeface="Arial" panose="020B0604020202020204" pitchFamily="34" charset="0"/>
@@ -9639,7 +10942,7 @@
           </a:p>
           <a:p>
             <a:r>
-              <a:rPr lang="zh-CN" altLang="en-US" kern="0" dirty="0">
+              <a:rPr lang="zh-CN" altLang="en-US" sz="2000" kern="0" dirty="0">
                 <a:latin typeface="黑体" panose="02010609060101010101" pitchFamily="49" charset="-122"/>
                 <a:ea typeface="黑体" panose="02010609060101010101" pitchFamily="49" charset="-122"/>
                 <a:cs typeface="Arial" panose="020B0604020202020204" pitchFamily="34" charset="0"/>
@@ -9647,7 +10950,7 @@
               <a:t>结合</a:t>
             </a:r>
             <a:r>
-              <a:rPr lang="en-US" altLang="zh-CN" kern="0" dirty="0">
+              <a:rPr lang="en-US" altLang="zh-CN" sz="2000" kern="0" dirty="0">
                 <a:latin typeface="黑体" panose="02010609060101010101" pitchFamily="49" charset="-122"/>
                 <a:ea typeface="黑体" panose="02010609060101010101" pitchFamily="49" charset="-122"/>
                 <a:cs typeface="Arial" panose="020B0604020202020204" pitchFamily="34" charset="0"/>
@@ -9655,21 +10958,21 @@
               <a:t>GPS</a:t>
             </a:r>
             <a:r>
-              <a:rPr lang="zh-CN" altLang="en-US" kern="0" dirty="0">
+              <a:rPr lang="zh-CN" altLang="en-US" sz="2000" kern="0" dirty="0">
                 <a:latin typeface="黑体" panose="02010609060101010101" pitchFamily="49" charset="-122"/>
                 <a:ea typeface="黑体" panose="02010609060101010101" pitchFamily="49" charset="-122"/>
                 <a:cs typeface="Arial" panose="020B0604020202020204" pitchFamily="34" charset="0"/>
               </a:rPr>
               <a:t>数据计算出车辆的位置。</a:t>
             </a:r>
-            <a:endParaRPr lang="en-US" altLang="zh-CN" kern="0" dirty="0">
+            <a:endParaRPr lang="en-US" altLang="zh-CN" sz="2000" kern="0" dirty="0">
               <a:latin typeface="黑体" panose="02010609060101010101" pitchFamily="49" charset="-122"/>
               <a:ea typeface="黑体" panose="02010609060101010101" pitchFamily="49" charset="-122"/>
               <a:cs typeface="Arial" panose="020B0604020202020204" pitchFamily="34" charset="0"/>
             </a:endParaRPr>
           </a:p>
           <a:p>
-            <a:endParaRPr lang="en-US" altLang="zh-CN" kern="0" dirty="0">
+            <a:endParaRPr lang="en-US" altLang="zh-CN" sz="2000" kern="0" dirty="0">
               <a:latin typeface="黑体" panose="02010609060101010101" pitchFamily="49" charset="-122"/>
               <a:ea typeface="黑体" panose="02010609060101010101" pitchFamily="49" charset="-122"/>
               <a:cs typeface="Arial" panose="020B0604020202020204" pitchFamily="34" charset="0"/>
@@ -9677,21 +10980,21 @@
           </a:p>
           <a:p>
             <a:r>
-              <a:rPr lang="zh-CN" altLang="en-US" kern="0" dirty="0">
+              <a:rPr lang="zh-CN" altLang="en-US" sz="2000" kern="0" dirty="0">
                 <a:latin typeface="黑体" panose="02010609060101010101" pitchFamily="49" charset="-122"/>
                 <a:ea typeface="黑体" panose="02010609060101010101" pitchFamily="49" charset="-122"/>
                 <a:cs typeface="Arial" panose="020B0604020202020204" pitchFamily="34" charset="0"/>
               </a:rPr>
               <a:t>所有这些数据与车载摄像机捕捉的图像一起输入计算机，软件以极高的速度处理这些数据。</a:t>
             </a:r>
-            <a:endParaRPr lang="en-US" altLang="zh-CN" kern="0" dirty="0">
+            <a:endParaRPr lang="en-US" altLang="zh-CN" sz="2000" kern="0" dirty="0">
               <a:latin typeface="黑体" panose="02010609060101010101" pitchFamily="49" charset="-122"/>
               <a:ea typeface="黑体" panose="02010609060101010101" pitchFamily="49" charset="-122"/>
               <a:cs typeface="Arial" panose="020B0604020202020204" pitchFamily="34" charset="0"/>
             </a:endParaRPr>
           </a:p>
           <a:p>
-            <a:endParaRPr lang="en-US" altLang="zh-CN" kern="0" dirty="0">
+            <a:endParaRPr lang="en-US" altLang="zh-CN" sz="2000" kern="0" dirty="0">
               <a:latin typeface="黑体" panose="02010609060101010101" pitchFamily="49" charset="-122"/>
               <a:ea typeface="黑体" panose="02010609060101010101" pitchFamily="49" charset="-122"/>
               <a:cs typeface="Arial" panose="020B0604020202020204" pitchFamily="34" charset="0"/>
@@ -9699,14 +11002,14 @@
           </a:p>
           <a:p>
             <a:r>
-              <a:rPr lang="zh-CN" altLang="en-US" kern="0" dirty="0">
+              <a:rPr lang="zh-CN" altLang="en-US" sz="2000" kern="0" dirty="0">
                 <a:latin typeface="黑体" panose="02010609060101010101" pitchFamily="49" charset="-122"/>
                 <a:ea typeface="黑体" panose="02010609060101010101" pitchFamily="49" charset="-122"/>
                 <a:cs typeface="Arial" panose="020B0604020202020204" pitchFamily="34" charset="0"/>
               </a:rPr>
               <a:t>系统做出迅速的判断。</a:t>
             </a:r>
-            <a:endParaRPr lang="en-US" altLang="zh-CN" kern="0" dirty="0">
+            <a:endParaRPr lang="en-US" altLang="zh-CN" sz="2000" kern="0" dirty="0">
               <a:latin typeface="黑体" panose="02010609060101010101" pitchFamily="49" charset="-122"/>
               <a:ea typeface="黑体" panose="02010609060101010101" pitchFamily="49" charset="-122"/>
               <a:cs typeface="Arial" panose="020B0604020202020204" pitchFamily="34" charset="0"/>
